--- a/API/Regulation/slides/Microarrays.pptx
+++ b/API/Regulation/slides/Microarrays.pptx
@@ -4,13 +4,11 @@
   <p:sldMasterIdLst>
     <p:sldMasterId id="2147483648" r:id="rId2"/>
     <p:sldMasterId id="2147483661" r:id="rId3"/>
-    <p:sldMasterId id="2147483674" r:id="rId4"/>
   </p:sldMasterIdLst>
   <p:sldIdLst>
-    <p:sldId id="256" r:id="rId5"/>
-    <p:sldId id="257" r:id="rId6"/>
-    <p:sldId id="258" r:id="rId7"/>
-    <p:sldId id="259" r:id="rId8"/>
+    <p:sldId id="256" r:id="rId4"/>
+    <p:sldId id="257" r:id="rId5"/>
+    <p:sldId id="258" r:id="rId6"/>
   </p:sldIdLst>
   <p:sldSz cx="9144000" cy="6858000"/>
   <p:notesSz cx="7559675" cy="10691812"/>
@@ -68,8 +66,8 @@
         </p:nvSpPr>
         <p:spPr>
           <a:xfrm>
-            <a:off x="685800" y="533520"/>
-            <a:ext cx="7772040" cy="914400"/>
+            <a:off x="457200" y="273600"/>
+            <a:ext cx="8229240" cy="1145160"/>
           </a:xfrm>
           <a:prstGeom prst="rect">
             <a:avLst/>
@@ -78,6 +76,7 @@
         <p:txBody>
           <a:bodyPr lIns="0" rIns="0" tIns="0" bIns="0" anchor="ctr"/>
           <a:p>
+            <a:pPr algn="ctr"/>
             <a:endParaRPr/>
           </a:p>
         </p:txBody>
@@ -94,8 +93,8 @@
         </p:nvSpPr>
         <p:spPr>
           <a:xfrm>
-            <a:off x="685800" y="1600200"/>
-            <a:ext cx="7772040" cy="2071440"/>
+            <a:off x="457200" y="1604520"/>
+            <a:ext cx="8229240" cy="1896840"/>
           </a:xfrm>
           <a:prstGeom prst="rect">
             <a:avLst/>
@@ -120,8 +119,8 @@
         </p:nvSpPr>
         <p:spPr>
           <a:xfrm>
-            <a:off x="685800" y="3868920"/>
-            <a:ext cx="7772040" cy="2071440"/>
+            <a:off x="457200" y="3682080"/>
+            <a:ext cx="8229240" cy="1896840"/>
           </a:xfrm>
           <a:prstGeom prst="rect">
             <a:avLst/>
@@ -168,8 +167,8 @@
         </p:nvSpPr>
         <p:spPr>
           <a:xfrm>
-            <a:off x="685800" y="533520"/>
-            <a:ext cx="7772040" cy="914400"/>
+            <a:off x="457200" y="273600"/>
+            <a:ext cx="8229240" cy="1145160"/>
           </a:xfrm>
           <a:prstGeom prst="rect">
             <a:avLst/>
@@ -178,6 +177,7 @@
         <p:txBody>
           <a:bodyPr lIns="0" rIns="0" tIns="0" bIns="0" anchor="ctr"/>
           <a:p>
+            <a:pPr algn="ctr"/>
             <a:endParaRPr/>
           </a:p>
         </p:txBody>
@@ -194,8 +194,8 @@
         </p:nvSpPr>
         <p:spPr>
           <a:xfrm>
-            <a:off x="685800" y="1600200"/>
-            <a:ext cx="3792600" cy="2071440"/>
+            <a:off x="457200" y="1604520"/>
+            <a:ext cx="4015800" cy="1896840"/>
           </a:xfrm>
           <a:prstGeom prst="rect">
             <a:avLst/>
@@ -220,8 +220,8 @@
         </p:nvSpPr>
         <p:spPr>
           <a:xfrm>
-            <a:off x="4668480" y="1600200"/>
-            <a:ext cx="3792600" cy="2071440"/>
+            <a:off x="4674240" y="1604520"/>
+            <a:ext cx="4015800" cy="1896840"/>
           </a:xfrm>
           <a:prstGeom prst="rect">
             <a:avLst/>
@@ -246,8 +246,8 @@
         </p:nvSpPr>
         <p:spPr>
           <a:xfrm>
-            <a:off x="4668480" y="3868920"/>
-            <a:ext cx="3792600" cy="2071440"/>
+            <a:off x="4674240" y="3682080"/>
+            <a:ext cx="4015800" cy="1896840"/>
           </a:xfrm>
           <a:prstGeom prst="rect">
             <a:avLst/>
@@ -272,8 +272,8 @@
         </p:nvSpPr>
         <p:spPr>
           <a:xfrm>
-            <a:off x="685800" y="3868920"/>
-            <a:ext cx="3792600" cy="2071440"/>
+            <a:off x="457200" y="3682080"/>
+            <a:ext cx="4015800" cy="1896840"/>
           </a:xfrm>
           <a:prstGeom prst="rect">
             <a:avLst/>
@@ -320,8 +320,8 @@
         </p:nvSpPr>
         <p:spPr>
           <a:xfrm>
-            <a:off x="685800" y="533520"/>
-            <a:ext cx="7772040" cy="914400"/>
+            <a:off x="457200" y="273600"/>
+            <a:ext cx="8229240" cy="1145160"/>
           </a:xfrm>
           <a:prstGeom prst="rect">
             <a:avLst/>
@@ -330,6 +330,7 @@
         <p:txBody>
           <a:bodyPr lIns="0" rIns="0" tIns="0" bIns="0" anchor="ctr"/>
           <a:p>
+            <a:pPr algn="ctr"/>
             <a:endParaRPr/>
           </a:p>
         </p:txBody>
@@ -346,8 +347,8 @@
         </p:nvSpPr>
         <p:spPr>
           <a:xfrm>
-            <a:off x="685800" y="1600200"/>
-            <a:ext cx="7772040" cy="4343040"/>
+            <a:off x="457200" y="1604520"/>
+            <a:ext cx="8229240" cy="3977280"/>
           </a:xfrm>
           <a:prstGeom prst="rect">
             <a:avLst/>
@@ -372,8 +373,8 @@
         </p:nvSpPr>
         <p:spPr>
           <a:xfrm>
-            <a:off x="685800" y="1600200"/>
-            <a:ext cx="7772040" cy="4343040"/>
+            <a:off x="457200" y="1604520"/>
+            <a:ext cx="8229240" cy="3977280"/>
           </a:xfrm>
           <a:prstGeom prst="rect">
             <a:avLst/>
@@ -400,8 +401,8 @@
         </p:blipFill>
         <p:spPr>
           <a:xfrm>
-            <a:off x="1850040" y="1600200"/>
-            <a:ext cx="5443200" cy="4343040"/>
+            <a:off x="2079000" y="1604520"/>
+            <a:ext cx="4984920" cy="3977280"/>
           </a:xfrm>
           <a:prstGeom prst="rect">
             <a:avLst/>
@@ -425,8 +426,8 @@
         </p:blipFill>
         <p:spPr>
           <a:xfrm>
-            <a:off x="1850040" y="1600200"/>
-            <a:ext cx="5443200" cy="4343040"/>
+            <a:off x="2079000" y="1604520"/>
+            <a:ext cx="4984920" cy="3977280"/>
           </a:xfrm>
           <a:prstGeom prst="rect">
             <a:avLst/>
@@ -482,7 +483,7 @@
       </p:grpSpPr>
       <p:sp>
         <p:nvSpPr>
-          <p:cNvPr id="53" name="PlaceHolder 1"/>
+          <p:cNvPr id="51" name="PlaceHolder 1"/>
           <p:cNvSpPr>
             <a:spLocks noGrp="1"/>
           </p:cNvSpPr>
@@ -492,8 +493,8 @@
         </p:nvSpPr>
         <p:spPr>
           <a:xfrm>
-            <a:off x="685800" y="533520"/>
-            <a:ext cx="7772040" cy="914400"/>
+            <a:off x="457200" y="273600"/>
+            <a:ext cx="8229240" cy="1145160"/>
           </a:xfrm>
           <a:prstGeom prst="rect">
             <a:avLst/>
@@ -502,13 +503,14 @@
         <p:txBody>
           <a:bodyPr lIns="0" rIns="0" tIns="0" bIns="0" anchor="ctr"/>
           <a:p>
-            <a:endParaRPr/>
-          </a:p>
-        </p:txBody>
-      </p:sp>
-      <p:sp>
-        <p:nvSpPr>
-          <p:cNvPr id="54" name="PlaceHolder 2"/>
+            <a:pPr algn="ctr"/>
+            <a:endParaRPr/>
+          </a:p>
+        </p:txBody>
+      </p:sp>
+      <p:sp>
+        <p:nvSpPr>
+          <p:cNvPr id="52" name="PlaceHolder 2"/>
           <p:cNvSpPr>
             <a:spLocks noGrp="1"/>
           </p:cNvSpPr>
@@ -518,8 +520,8 @@
         </p:nvSpPr>
         <p:spPr>
           <a:xfrm>
-            <a:off x="685800" y="1600200"/>
-            <a:ext cx="7772040" cy="4343400"/>
+            <a:off x="457200" y="1604520"/>
+            <a:ext cx="8229240" cy="3977640"/>
           </a:xfrm>
           <a:prstGeom prst="rect">
             <a:avLst/>
@@ -557,7 +559,7 @@
       </p:grpSpPr>
       <p:sp>
         <p:nvSpPr>
-          <p:cNvPr id="55" name="PlaceHolder 1"/>
+          <p:cNvPr id="53" name="PlaceHolder 1"/>
           <p:cNvSpPr>
             <a:spLocks noGrp="1"/>
           </p:cNvSpPr>
@@ -567,8 +569,8 @@
         </p:nvSpPr>
         <p:spPr>
           <a:xfrm>
-            <a:off x="685800" y="533520"/>
-            <a:ext cx="7772040" cy="914400"/>
+            <a:off x="457200" y="273600"/>
+            <a:ext cx="8229240" cy="1145160"/>
           </a:xfrm>
           <a:prstGeom prst="rect">
             <a:avLst/>
@@ -577,13 +579,14 @@
         <p:txBody>
           <a:bodyPr lIns="0" rIns="0" tIns="0" bIns="0" anchor="ctr"/>
           <a:p>
-            <a:endParaRPr/>
-          </a:p>
-        </p:txBody>
-      </p:sp>
-      <p:sp>
-        <p:nvSpPr>
-          <p:cNvPr id="56" name="PlaceHolder 2"/>
+            <a:pPr algn="ctr"/>
+            <a:endParaRPr/>
+          </a:p>
+        </p:txBody>
+      </p:sp>
+      <p:sp>
+        <p:nvSpPr>
+          <p:cNvPr id="54" name="PlaceHolder 2"/>
           <p:cNvSpPr>
             <a:spLocks noGrp="1"/>
           </p:cNvSpPr>
@@ -593,8 +596,8 @@
         </p:nvSpPr>
         <p:spPr>
           <a:xfrm>
-            <a:off x="685800" y="1600200"/>
-            <a:ext cx="7772040" cy="4343040"/>
+            <a:off x="457200" y="1604520"/>
+            <a:ext cx="8229240" cy="3977280"/>
           </a:xfrm>
           <a:prstGeom prst="rect">
             <a:avLst/>
@@ -631,7 +634,7 @@
       </p:grpSpPr>
       <p:sp>
         <p:nvSpPr>
-          <p:cNvPr id="57" name="PlaceHolder 1"/>
+          <p:cNvPr id="55" name="PlaceHolder 1"/>
           <p:cNvSpPr>
             <a:spLocks noGrp="1"/>
           </p:cNvSpPr>
@@ -641,8 +644,8 @@
         </p:nvSpPr>
         <p:spPr>
           <a:xfrm>
-            <a:off x="685800" y="533520"/>
-            <a:ext cx="7772040" cy="914400"/>
+            <a:off x="457200" y="273600"/>
+            <a:ext cx="8229240" cy="1145160"/>
           </a:xfrm>
           <a:prstGeom prst="rect">
             <a:avLst/>
@@ -651,13 +654,14 @@
         <p:txBody>
           <a:bodyPr lIns="0" rIns="0" tIns="0" bIns="0" anchor="ctr"/>
           <a:p>
-            <a:endParaRPr/>
-          </a:p>
-        </p:txBody>
-      </p:sp>
-      <p:sp>
-        <p:nvSpPr>
-          <p:cNvPr id="58" name="PlaceHolder 2"/>
+            <a:pPr algn="ctr"/>
+            <a:endParaRPr/>
+          </a:p>
+        </p:txBody>
+      </p:sp>
+      <p:sp>
+        <p:nvSpPr>
+          <p:cNvPr id="56" name="PlaceHolder 2"/>
           <p:cNvSpPr>
             <a:spLocks noGrp="1"/>
           </p:cNvSpPr>
@@ -667,8 +671,8 @@
         </p:nvSpPr>
         <p:spPr>
           <a:xfrm>
-            <a:off x="685800" y="1600200"/>
-            <a:ext cx="3792600" cy="4343040"/>
+            <a:off x="457200" y="1604520"/>
+            <a:ext cx="4015800" cy="3977280"/>
           </a:xfrm>
           <a:prstGeom prst="rect">
             <a:avLst/>
@@ -683,7 +687,7 @@
       </p:sp>
       <p:sp>
         <p:nvSpPr>
-          <p:cNvPr id="59" name="PlaceHolder 3"/>
+          <p:cNvPr id="57" name="PlaceHolder 3"/>
           <p:cNvSpPr>
             <a:spLocks noGrp="1"/>
           </p:cNvSpPr>
@@ -693,8 +697,8 @@
         </p:nvSpPr>
         <p:spPr>
           <a:xfrm>
-            <a:off x="4668480" y="1600200"/>
-            <a:ext cx="3792600" cy="4343040"/>
+            <a:off x="4674240" y="1604520"/>
+            <a:ext cx="4015800" cy="3977280"/>
           </a:xfrm>
           <a:prstGeom prst="rect">
             <a:avLst/>
@@ -731,7 +735,7 @@
       </p:grpSpPr>
       <p:sp>
         <p:nvSpPr>
-          <p:cNvPr id="60" name="PlaceHolder 1"/>
+          <p:cNvPr id="58" name="PlaceHolder 1"/>
           <p:cNvSpPr>
             <a:spLocks noGrp="1"/>
           </p:cNvSpPr>
@@ -741,8 +745,8 @@
         </p:nvSpPr>
         <p:spPr>
           <a:xfrm>
-            <a:off x="685800" y="533520"/>
-            <a:ext cx="7772040" cy="914400"/>
+            <a:off x="457200" y="273600"/>
+            <a:ext cx="8229240" cy="1145160"/>
           </a:xfrm>
           <a:prstGeom prst="rect">
             <a:avLst/>
@@ -751,6 +755,7 @@
         <p:txBody>
           <a:bodyPr lIns="0" rIns="0" tIns="0" bIns="0" anchor="ctr"/>
           <a:p>
+            <a:pPr algn="ctr"/>
             <a:endParaRPr/>
           </a:p>
         </p:txBody>
@@ -779,7 +784,7 @@
       </p:grpSpPr>
       <p:sp>
         <p:nvSpPr>
-          <p:cNvPr id="61" name="PlaceHolder 1"/>
+          <p:cNvPr id="59" name="PlaceHolder 1"/>
           <p:cNvSpPr>
             <a:spLocks noGrp="1"/>
           </p:cNvSpPr>
@@ -789,8 +794,8 @@
         </p:nvSpPr>
         <p:spPr>
           <a:xfrm>
-            <a:off x="685800" y="533520"/>
-            <a:ext cx="7772040" cy="4238640"/>
+            <a:off x="457200" y="273600"/>
+            <a:ext cx="8229240" cy="5308200"/>
           </a:xfrm>
           <a:prstGeom prst="rect">
             <a:avLst/>
@@ -828,7 +833,7 @@
       </p:grpSpPr>
       <p:sp>
         <p:nvSpPr>
-          <p:cNvPr id="62" name="PlaceHolder 1"/>
+          <p:cNvPr id="60" name="PlaceHolder 1"/>
           <p:cNvSpPr>
             <a:spLocks noGrp="1"/>
           </p:cNvSpPr>
@@ -838,8 +843,8 @@
         </p:nvSpPr>
         <p:spPr>
           <a:xfrm>
-            <a:off x="685800" y="533520"/>
-            <a:ext cx="7772040" cy="914400"/>
+            <a:off x="457200" y="273600"/>
+            <a:ext cx="8229240" cy="1145160"/>
           </a:xfrm>
           <a:prstGeom prst="rect">
             <a:avLst/>
@@ -848,13 +853,14 @@
         <p:txBody>
           <a:bodyPr lIns="0" rIns="0" tIns="0" bIns="0" anchor="ctr"/>
           <a:p>
-            <a:endParaRPr/>
-          </a:p>
-        </p:txBody>
-      </p:sp>
-      <p:sp>
-        <p:nvSpPr>
-          <p:cNvPr id="63" name="PlaceHolder 2"/>
+            <a:pPr algn="ctr"/>
+            <a:endParaRPr/>
+          </a:p>
+        </p:txBody>
+      </p:sp>
+      <p:sp>
+        <p:nvSpPr>
+          <p:cNvPr id="61" name="PlaceHolder 2"/>
           <p:cNvSpPr>
             <a:spLocks noGrp="1"/>
           </p:cNvSpPr>
@@ -864,8 +870,8 @@
         </p:nvSpPr>
         <p:spPr>
           <a:xfrm>
-            <a:off x="685800" y="1600200"/>
-            <a:ext cx="3792600" cy="2071440"/>
+            <a:off x="457200" y="1604520"/>
+            <a:ext cx="4015800" cy="1896840"/>
           </a:xfrm>
           <a:prstGeom prst="rect">
             <a:avLst/>
@@ -880,7 +886,7 @@
       </p:sp>
       <p:sp>
         <p:nvSpPr>
-          <p:cNvPr id="64" name="PlaceHolder 3"/>
+          <p:cNvPr id="62" name="PlaceHolder 3"/>
           <p:cNvSpPr>
             <a:spLocks noGrp="1"/>
           </p:cNvSpPr>
@@ -890,8 +896,8 @@
         </p:nvSpPr>
         <p:spPr>
           <a:xfrm>
-            <a:off x="685800" y="3868920"/>
-            <a:ext cx="3792600" cy="2071440"/>
+            <a:off x="457200" y="3682080"/>
+            <a:ext cx="4015800" cy="1896840"/>
           </a:xfrm>
           <a:prstGeom prst="rect">
             <a:avLst/>
@@ -906,7 +912,7 @@
       </p:sp>
       <p:sp>
         <p:nvSpPr>
-          <p:cNvPr id="65" name="PlaceHolder 4"/>
+          <p:cNvPr id="63" name="PlaceHolder 4"/>
           <p:cNvSpPr>
             <a:spLocks noGrp="1"/>
           </p:cNvSpPr>
@@ -916,8 +922,8 @@
         </p:nvSpPr>
         <p:spPr>
           <a:xfrm>
-            <a:off x="4668480" y="1600200"/>
-            <a:ext cx="3792600" cy="4343040"/>
+            <a:off x="4674240" y="1604520"/>
+            <a:ext cx="4015800" cy="3977280"/>
           </a:xfrm>
           <a:prstGeom prst="rect">
             <a:avLst/>
@@ -964,8 +970,8 @@
         </p:nvSpPr>
         <p:spPr>
           <a:xfrm>
-            <a:off x="685800" y="533520"/>
-            <a:ext cx="7772040" cy="914400"/>
+            <a:off x="457200" y="273600"/>
+            <a:ext cx="8229240" cy="1145160"/>
           </a:xfrm>
           <a:prstGeom prst="rect">
             <a:avLst/>
@@ -974,6 +980,7 @@
         <p:txBody>
           <a:bodyPr lIns="0" rIns="0" tIns="0" bIns="0" anchor="ctr"/>
           <a:p>
+            <a:pPr algn="ctr"/>
             <a:endParaRPr/>
           </a:p>
         </p:txBody>
@@ -990,8 +997,8 @@
         </p:nvSpPr>
         <p:spPr>
           <a:xfrm>
-            <a:off x="685800" y="1600200"/>
-            <a:ext cx="7772040" cy="4343400"/>
+            <a:off x="457200" y="1604520"/>
+            <a:ext cx="8229240" cy="3977640"/>
           </a:xfrm>
           <a:prstGeom prst="rect">
             <a:avLst/>
@@ -1029,7 +1036,7 @@
       </p:grpSpPr>
       <p:sp>
         <p:nvSpPr>
-          <p:cNvPr id="66" name="PlaceHolder 1"/>
+          <p:cNvPr id="64" name="PlaceHolder 1"/>
           <p:cNvSpPr>
             <a:spLocks noGrp="1"/>
           </p:cNvSpPr>
@@ -1039,8 +1046,8 @@
         </p:nvSpPr>
         <p:spPr>
           <a:xfrm>
-            <a:off x="685800" y="533520"/>
-            <a:ext cx="7772040" cy="914400"/>
+            <a:off x="457200" y="273600"/>
+            <a:ext cx="8229240" cy="1145160"/>
           </a:xfrm>
           <a:prstGeom prst="rect">
             <a:avLst/>
@@ -1049,13 +1056,14 @@
         <p:txBody>
           <a:bodyPr lIns="0" rIns="0" tIns="0" bIns="0" anchor="ctr"/>
           <a:p>
-            <a:endParaRPr/>
-          </a:p>
-        </p:txBody>
-      </p:sp>
-      <p:sp>
-        <p:nvSpPr>
-          <p:cNvPr id="67" name="PlaceHolder 2"/>
+            <a:pPr algn="ctr"/>
+            <a:endParaRPr/>
+          </a:p>
+        </p:txBody>
+      </p:sp>
+      <p:sp>
+        <p:nvSpPr>
+          <p:cNvPr id="65" name="PlaceHolder 2"/>
           <p:cNvSpPr>
             <a:spLocks noGrp="1"/>
           </p:cNvSpPr>
@@ -1065,8 +1073,8 @@
         </p:nvSpPr>
         <p:spPr>
           <a:xfrm>
-            <a:off x="685800" y="1600200"/>
-            <a:ext cx="3792600" cy="4343040"/>
+            <a:off x="457200" y="1604520"/>
+            <a:ext cx="4015800" cy="3977280"/>
           </a:xfrm>
           <a:prstGeom prst="rect">
             <a:avLst/>
@@ -1081,7 +1089,7 @@
       </p:sp>
       <p:sp>
         <p:nvSpPr>
-          <p:cNvPr id="68" name="PlaceHolder 3"/>
+          <p:cNvPr id="66" name="PlaceHolder 3"/>
           <p:cNvSpPr>
             <a:spLocks noGrp="1"/>
           </p:cNvSpPr>
@@ -1091,8 +1099,8 @@
         </p:nvSpPr>
         <p:spPr>
           <a:xfrm>
-            <a:off x="4668480" y="1600200"/>
-            <a:ext cx="3792600" cy="2071440"/>
+            <a:off x="4674240" y="1604520"/>
+            <a:ext cx="4015800" cy="1896840"/>
           </a:xfrm>
           <a:prstGeom prst="rect">
             <a:avLst/>
@@ -1107,7 +1115,7 @@
       </p:sp>
       <p:sp>
         <p:nvSpPr>
-          <p:cNvPr id="69" name="PlaceHolder 4"/>
+          <p:cNvPr id="67" name="PlaceHolder 4"/>
           <p:cNvSpPr>
             <a:spLocks noGrp="1"/>
           </p:cNvSpPr>
@@ -1117,8 +1125,8 @@
         </p:nvSpPr>
         <p:spPr>
           <a:xfrm>
-            <a:off x="4668480" y="3868920"/>
-            <a:ext cx="3792600" cy="2071440"/>
+            <a:off x="4674240" y="3682080"/>
+            <a:ext cx="4015800" cy="1896840"/>
           </a:xfrm>
           <a:prstGeom prst="rect">
             <a:avLst/>
@@ -1155,7 +1163,7 @@
       </p:grpSpPr>
       <p:sp>
         <p:nvSpPr>
-          <p:cNvPr id="70" name="PlaceHolder 1"/>
+          <p:cNvPr id="68" name="PlaceHolder 1"/>
           <p:cNvSpPr>
             <a:spLocks noGrp="1"/>
           </p:cNvSpPr>
@@ -1165,8 +1173,8 @@
         </p:nvSpPr>
         <p:spPr>
           <a:xfrm>
-            <a:off x="685800" y="533520"/>
-            <a:ext cx="7772040" cy="914400"/>
+            <a:off x="457200" y="273600"/>
+            <a:ext cx="8229240" cy="1145160"/>
           </a:xfrm>
           <a:prstGeom prst="rect">
             <a:avLst/>
@@ -1175,13 +1183,14 @@
         <p:txBody>
           <a:bodyPr lIns="0" rIns="0" tIns="0" bIns="0" anchor="ctr"/>
           <a:p>
-            <a:endParaRPr/>
-          </a:p>
-        </p:txBody>
-      </p:sp>
-      <p:sp>
-        <p:nvSpPr>
-          <p:cNvPr id="71" name="PlaceHolder 2"/>
+            <a:pPr algn="ctr"/>
+            <a:endParaRPr/>
+          </a:p>
+        </p:txBody>
+      </p:sp>
+      <p:sp>
+        <p:nvSpPr>
+          <p:cNvPr id="69" name="PlaceHolder 2"/>
           <p:cNvSpPr>
             <a:spLocks noGrp="1"/>
           </p:cNvSpPr>
@@ -1191,8 +1200,8 @@
         </p:nvSpPr>
         <p:spPr>
           <a:xfrm>
-            <a:off x="685800" y="1600200"/>
-            <a:ext cx="3792600" cy="2071440"/>
+            <a:off x="457200" y="1604520"/>
+            <a:ext cx="4015800" cy="1896840"/>
           </a:xfrm>
           <a:prstGeom prst="rect">
             <a:avLst/>
@@ -1207,7 +1216,7 @@
       </p:sp>
       <p:sp>
         <p:nvSpPr>
-          <p:cNvPr id="72" name="PlaceHolder 3"/>
+          <p:cNvPr id="70" name="PlaceHolder 3"/>
           <p:cNvSpPr>
             <a:spLocks noGrp="1"/>
           </p:cNvSpPr>
@@ -1217,8 +1226,8 @@
         </p:nvSpPr>
         <p:spPr>
           <a:xfrm>
-            <a:off x="4668480" y="1600200"/>
-            <a:ext cx="3792600" cy="2071440"/>
+            <a:off x="4674240" y="1604520"/>
+            <a:ext cx="4015800" cy="1896840"/>
           </a:xfrm>
           <a:prstGeom prst="rect">
             <a:avLst/>
@@ -1233,7 +1242,7 @@
       </p:sp>
       <p:sp>
         <p:nvSpPr>
-          <p:cNvPr id="73" name="PlaceHolder 4"/>
+          <p:cNvPr id="71" name="PlaceHolder 4"/>
           <p:cNvSpPr>
             <a:spLocks noGrp="1"/>
           </p:cNvSpPr>
@@ -1243,8 +1252,8 @@
         </p:nvSpPr>
         <p:spPr>
           <a:xfrm>
-            <a:off x="685800" y="3868920"/>
-            <a:ext cx="7772040" cy="2071440"/>
+            <a:off x="457200" y="3682080"/>
+            <a:ext cx="8229240" cy="1896840"/>
           </a:xfrm>
           <a:prstGeom prst="rect">
             <a:avLst/>
@@ -1281,7 +1290,7 @@
       </p:grpSpPr>
       <p:sp>
         <p:nvSpPr>
-          <p:cNvPr id="74" name="PlaceHolder 1"/>
+          <p:cNvPr id="72" name="PlaceHolder 1"/>
           <p:cNvSpPr>
             <a:spLocks noGrp="1"/>
           </p:cNvSpPr>
@@ -1291,8 +1300,8 @@
         </p:nvSpPr>
         <p:spPr>
           <a:xfrm>
-            <a:off x="685800" y="533520"/>
-            <a:ext cx="7772040" cy="914400"/>
+            <a:off x="457200" y="273600"/>
+            <a:ext cx="8229240" cy="1145160"/>
           </a:xfrm>
           <a:prstGeom prst="rect">
             <a:avLst/>
@@ -1301,13 +1310,14 @@
         <p:txBody>
           <a:bodyPr lIns="0" rIns="0" tIns="0" bIns="0" anchor="ctr"/>
           <a:p>
-            <a:endParaRPr/>
-          </a:p>
-        </p:txBody>
-      </p:sp>
-      <p:sp>
-        <p:nvSpPr>
-          <p:cNvPr id="75" name="PlaceHolder 2"/>
+            <a:pPr algn="ctr"/>
+            <a:endParaRPr/>
+          </a:p>
+        </p:txBody>
+      </p:sp>
+      <p:sp>
+        <p:nvSpPr>
+          <p:cNvPr id="73" name="PlaceHolder 2"/>
           <p:cNvSpPr>
             <a:spLocks noGrp="1"/>
           </p:cNvSpPr>
@@ -1317,8 +1327,8 @@
         </p:nvSpPr>
         <p:spPr>
           <a:xfrm>
-            <a:off x="685800" y="1600200"/>
-            <a:ext cx="7772040" cy="2071440"/>
+            <a:off x="457200" y="1604520"/>
+            <a:ext cx="8229240" cy="1896840"/>
           </a:xfrm>
           <a:prstGeom prst="rect">
             <a:avLst/>
@@ -1333,7 +1343,7 @@
       </p:sp>
       <p:sp>
         <p:nvSpPr>
-          <p:cNvPr id="76" name="PlaceHolder 3"/>
+          <p:cNvPr id="74" name="PlaceHolder 3"/>
           <p:cNvSpPr>
             <a:spLocks noGrp="1"/>
           </p:cNvSpPr>
@@ -1343,8 +1353,8 @@
         </p:nvSpPr>
         <p:spPr>
           <a:xfrm>
-            <a:off x="685800" y="3868920"/>
-            <a:ext cx="7772040" cy="2071440"/>
+            <a:off x="457200" y="3682080"/>
+            <a:ext cx="8229240" cy="1896840"/>
           </a:xfrm>
           <a:prstGeom prst="rect">
             <a:avLst/>
@@ -1381,7 +1391,7 @@
       </p:grpSpPr>
       <p:sp>
         <p:nvSpPr>
-          <p:cNvPr id="77" name="PlaceHolder 1"/>
+          <p:cNvPr id="75" name="PlaceHolder 1"/>
           <p:cNvSpPr>
             <a:spLocks noGrp="1"/>
           </p:cNvSpPr>
@@ -1391,8 +1401,8 @@
         </p:nvSpPr>
         <p:spPr>
           <a:xfrm>
-            <a:off x="685800" y="533520"/>
-            <a:ext cx="7772040" cy="914400"/>
+            <a:off x="457200" y="273600"/>
+            <a:ext cx="8229240" cy="1145160"/>
           </a:xfrm>
           <a:prstGeom prst="rect">
             <a:avLst/>
@@ -1401,13 +1411,14 @@
         <p:txBody>
           <a:bodyPr lIns="0" rIns="0" tIns="0" bIns="0" anchor="ctr"/>
           <a:p>
-            <a:endParaRPr/>
-          </a:p>
-        </p:txBody>
-      </p:sp>
-      <p:sp>
-        <p:nvSpPr>
-          <p:cNvPr id="78" name="PlaceHolder 2"/>
+            <a:pPr algn="ctr"/>
+            <a:endParaRPr/>
+          </a:p>
+        </p:txBody>
+      </p:sp>
+      <p:sp>
+        <p:nvSpPr>
+          <p:cNvPr id="76" name="PlaceHolder 2"/>
           <p:cNvSpPr>
             <a:spLocks noGrp="1"/>
           </p:cNvSpPr>
@@ -1417,8 +1428,8 @@
         </p:nvSpPr>
         <p:spPr>
           <a:xfrm>
-            <a:off x="685800" y="1600200"/>
-            <a:ext cx="3792600" cy="2071440"/>
+            <a:off x="457200" y="1604520"/>
+            <a:ext cx="4015800" cy="1896840"/>
           </a:xfrm>
           <a:prstGeom prst="rect">
             <a:avLst/>
@@ -1433,7 +1444,7 @@
       </p:sp>
       <p:sp>
         <p:nvSpPr>
-          <p:cNvPr id="79" name="PlaceHolder 3"/>
+          <p:cNvPr id="77" name="PlaceHolder 3"/>
           <p:cNvSpPr>
             <a:spLocks noGrp="1"/>
           </p:cNvSpPr>
@@ -1443,8 +1454,8 @@
         </p:nvSpPr>
         <p:spPr>
           <a:xfrm>
-            <a:off x="4668480" y="1600200"/>
-            <a:ext cx="3792600" cy="2071440"/>
+            <a:off x="4674240" y="1604520"/>
+            <a:ext cx="4015800" cy="1896840"/>
           </a:xfrm>
           <a:prstGeom prst="rect">
             <a:avLst/>
@@ -1459,7 +1470,7 @@
       </p:sp>
       <p:sp>
         <p:nvSpPr>
-          <p:cNvPr id="80" name="PlaceHolder 4"/>
+          <p:cNvPr id="78" name="PlaceHolder 4"/>
           <p:cNvSpPr>
             <a:spLocks noGrp="1"/>
           </p:cNvSpPr>
@@ -1469,8 +1480,8 @@
         </p:nvSpPr>
         <p:spPr>
           <a:xfrm>
-            <a:off x="4668480" y="3868920"/>
-            <a:ext cx="3792600" cy="2071440"/>
+            <a:off x="4674240" y="3682080"/>
+            <a:ext cx="4015800" cy="1896840"/>
           </a:xfrm>
           <a:prstGeom prst="rect">
             <a:avLst/>
@@ -1485,7 +1496,7 @@
       </p:sp>
       <p:sp>
         <p:nvSpPr>
-          <p:cNvPr id="81" name="PlaceHolder 5"/>
+          <p:cNvPr id="79" name="PlaceHolder 5"/>
           <p:cNvSpPr>
             <a:spLocks noGrp="1"/>
           </p:cNvSpPr>
@@ -1495,8 +1506,8 @@
         </p:nvSpPr>
         <p:spPr>
           <a:xfrm>
-            <a:off x="685800" y="3868920"/>
-            <a:ext cx="3792600" cy="2071440"/>
+            <a:off x="457200" y="3682080"/>
+            <a:ext cx="4015800" cy="1896840"/>
           </a:xfrm>
           <a:prstGeom prst="rect">
             <a:avLst/>
@@ -1533,7 +1544,7 @@
       </p:grpSpPr>
       <p:sp>
         <p:nvSpPr>
-          <p:cNvPr id="82" name="PlaceHolder 1"/>
+          <p:cNvPr id="80" name="PlaceHolder 1"/>
           <p:cNvSpPr>
             <a:spLocks noGrp="1"/>
           </p:cNvSpPr>
@@ -1543,8 +1554,8 @@
         </p:nvSpPr>
         <p:spPr>
           <a:xfrm>
-            <a:off x="685800" y="533520"/>
-            <a:ext cx="7772040" cy="914400"/>
+            <a:off x="457200" y="273600"/>
+            <a:ext cx="8229240" cy="1145160"/>
           </a:xfrm>
           <a:prstGeom prst="rect">
             <a:avLst/>
@@ -1553,13 +1564,14 @@
         <p:txBody>
           <a:bodyPr lIns="0" rIns="0" tIns="0" bIns="0" anchor="ctr"/>
           <a:p>
-            <a:endParaRPr/>
-          </a:p>
-        </p:txBody>
-      </p:sp>
-      <p:sp>
-        <p:nvSpPr>
-          <p:cNvPr id="83" name="PlaceHolder 2"/>
+            <a:pPr algn="ctr"/>
+            <a:endParaRPr/>
+          </a:p>
+        </p:txBody>
+      </p:sp>
+      <p:sp>
+        <p:nvSpPr>
+          <p:cNvPr id="81" name="PlaceHolder 2"/>
           <p:cNvSpPr>
             <a:spLocks noGrp="1"/>
           </p:cNvSpPr>
@@ -1569,8 +1581,8 @@
         </p:nvSpPr>
         <p:spPr>
           <a:xfrm>
-            <a:off x="685800" y="1600200"/>
-            <a:ext cx="7772040" cy="4343040"/>
+            <a:off x="457200" y="1604520"/>
+            <a:ext cx="8229240" cy="3977280"/>
           </a:xfrm>
           <a:prstGeom prst="rect">
             <a:avLst/>
@@ -1585,7 +1597,7 @@
       </p:sp>
       <p:sp>
         <p:nvSpPr>
-          <p:cNvPr id="84" name="PlaceHolder 3"/>
+          <p:cNvPr id="82" name="PlaceHolder 3"/>
           <p:cNvSpPr>
             <a:spLocks noGrp="1"/>
           </p:cNvSpPr>
@@ -1595,8 +1607,8 @@
         </p:nvSpPr>
         <p:spPr>
           <a:xfrm>
-            <a:off x="685800" y="1600200"/>
-            <a:ext cx="7772040" cy="4343040"/>
+            <a:off x="457200" y="1604520"/>
+            <a:ext cx="8229240" cy="3977280"/>
           </a:xfrm>
           <a:prstGeom prst="rect">
             <a:avLst/>
@@ -1611,7 +1623,7 @@
       </p:sp>
       <p:pic>
         <p:nvPicPr>
-          <p:cNvPr id="85" name="" descr=""/>
+          <p:cNvPr id="83" name="" descr=""/>
           <p:cNvPicPr/>
           <p:nvPr/>
         </p:nvPicPr>
@@ -1623,8 +1635,8 @@
         </p:blipFill>
         <p:spPr>
           <a:xfrm>
-            <a:off x="1850040" y="1600200"/>
-            <a:ext cx="5443200" cy="4343040"/>
+            <a:off x="2079000" y="1604520"/>
+            <a:ext cx="4984920" cy="3977280"/>
           </a:xfrm>
           <a:prstGeom prst="rect">
             <a:avLst/>
@@ -1636,7 +1648,7 @@
       </p:pic>
       <p:pic>
         <p:nvPicPr>
-          <p:cNvPr id="86" name="" descr=""/>
+          <p:cNvPr id="84" name="" descr=""/>
           <p:cNvPicPr/>
           <p:nvPr/>
         </p:nvPicPr>
@@ -1648,8 +1660,8 @@
         </p:blipFill>
         <p:spPr>
           <a:xfrm>
-            <a:off x="1850040" y="1600200"/>
-            <a:ext cx="5443200" cy="4343040"/>
+            <a:off x="2079000" y="1604520"/>
+            <a:ext cx="4984920" cy="3977280"/>
           </a:xfrm>
           <a:prstGeom prst="rect">
             <a:avLst/>
@@ -1659,325 +1671,6 @@
           </a:ln>
         </p:spPr>
       </p:pic>
-    </p:spTree>
-  </p:cSld>
-</p:sldLayout>
-</file>
-
-<file path=ppt/slideLayouts/slideLayout25.xml><?xml version="1.0" encoding="utf-8"?>
-<p:sldLayout xmlns:a="http://schemas.openxmlformats.org/drawingml/2006/main" xmlns:p="http://schemas.openxmlformats.org/presentationml/2006/main" xmlns:r="http://schemas.openxmlformats.org/officeDocument/2006/relationships" type="blank" preserve="1">
-  <p:cSld name="Blank Slide">
-    <p:spTree>
-      <p:nvGrpSpPr>
-        <p:cNvPr id="1" name=""/>
-        <p:cNvGrpSpPr/>
-        <p:nvPr/>
-      </p:nvGrpSpPr>
-      <p:grpSpPr>
-        <a:xfrm>
-          <a:off x="0" y="0"/>
-          <a:ext cx="0" cy="0"/>
-          <a:chOff x="0" y="0"/>
-          <a:chExt cx="0" cy="0"/>
-        </a:xfrm>
-      </p:grpSpPr>
-    </p:spTree>
-  </p:cSld>
-</p:sldLayout>
-</file>
-
-<file path=ppt/slideLayouts/slideLayout26.xml><?xml version="1.0" encoding="utf-8"?>
-<p:sldLayout xmlns:a="http://schemas.openxmlformats.org/drawingml/2006/main" xmlns:p="http://schemas.openxmlformats.org/presentationml/2006/main" xmlns:r="http://schemas.openxmlformats.org/officeDocument/2006/relationships" type="tx" preserve="1">
-  <p:cSld name="Title Slide">
-    <p:spTree>
-      <p:nvGrpSpPr>
-        <p:cNvPr id="1" name=""/>
-        <p:cNvGrpSpPr/>
-        <p:nvPr/>
-      </p:nvGrpSpPr>
-      <p:grpSpPr>
-        <a:xfrm>
-          <a:off x="0" y="0"/>
-          <a:ext cx="0" cy="0"/>
-          <a:chOff x="0" y="0"/>
-          <a:chExt cx="0" cy="0"/>
-        </a:xfrm>
-      </p:grpSpPr>
-      <p:sp>
-        <p:nvSpPr>
-          <p:cNvPr id="96" name="PlaceHolder 1"/>
-          <p:cNvSpPr>
-            <a:spLocks noGrp="1"/>
-          </p:cNvSpPr>
-          <p:nvPr>
-            <p:ph type="title"/>
-          </p:nvPr>
-        </p:nvSpPr>
-        <p:spPr>
-          <a:xfrm>
-            <a:off x="685800" y="533520"/>
-            <a:ext cx="7772040" cy="914400"/>
-          </a:xfrm>
-          <a:prstGeom prst="rect">
-            <a:avLst/>
-          </a:prstGeom>
-        </p:spPr>
-        <p:txBody>
-          <a:bodyPr lIns="0" rIns="0" tIns="0" bIns="0" anchor="ctr"/>
-          <a:p>
-            <a:endParaRPr/>
-          </a:p>
-        </p:txBody>
-      </p:sp>
-      <p:sp>
-        <p:nvSpPr>
-          <p:cNvPr id="97" name="PlaceHolder 2"/>
-          <p:cNvSpPr>
-            <a:spLocks noGrp="1"/>
-          </p:cNvSpPr>
-          <p:nvPr>
-            <p:ph type="subTitle"/>
-          </p:nvPr>
-        </p:nvSpPr>
-        <p:spPr>
-          <a:xfrm>
-            <a:off x="685800" y="1600200"/>
-            <a:ext cx="7772040" cy="4343400"/>
-          </a:xfrm>
-          <a:prstGeom prst="rect">
-            <a:avLst/>
-          </a:prstGeom>
-        </p:spPr>
-        <p:txBody>
-          <a:bodyPr lIns="0" rIns="0" tIns="0" bIns="0" anchor="ctr"/>
-          <a:p>
-            <a:pPr algn="ctr"/>
-            <a:endParaRPr/>
-          </a:p>
-        </p:txBody>
-      </p:sp>
-    </p:spTree>
-  </p:cSld>
-</p:sldLayout>
-</file>
-
-<file path=ppt/slideLayouts/slideLayout27.xml><?xml version="1.0" encoding="utf-8"?>
-<p:sldLayout xmlns:a="http://schemas.openxmlformats.org/drawingml/2006/main" xmlns:p="http://schemas.openxmlformats.org/presentationml/2006/main" xmlns:r="http://schemas.openxmlformats.org/officeDocument/2006/relationships" type="obj" preserve="1">
-  <p:cSld name="Title, Content">
-    <p:spTree>
-      <p:nvGrpSpPr>
-        <p:cNvPr id="1" name=""/>
-        <p:cNvGrpSpPr/>
-        <p:nvPr/>
-      </p:nvGrpSpPr>
-      <p:grpSpPr>
-        <a:xfrm>
-          <a:off x="0" y="0"/>
-          <a:ext cx="0" cy="0"/>
-          <a:chOff x="0" y="0"/>
-          <a:chExt cx="0" cy="0"/>
-        </a:xfrm>
-      </p:grpSpPr>
-      <p:sp>
-        <p:nvSpPr>
-          <p:cNvPr id="98" name="PlaceHolder 1"/>
-          <p:cNvSpPr>
-            <a:spLocks noGrp="1"/>
-          </p:cNvSpPr>
-          <p:nvPr>
-            <p:ph type="title"/>
-          </p:nvPr>
-        </p:nvSpPr>
-        <p:spPr>
-          <a:xfrm>
-            <a:off x="685800" y="533520"/>
-            <a:ext cx="7772040" cy="914400"/>
-          </a:xfrm>
-          <a:prstGeom prst="rect">
-            <a:avLst/>
-          </a:prstGeom>
-        </p:spPr>
-        <p:txBody>
-          <a:bodyPr lIns="0" rIns="0" tIns="0" bIns="0" anchor="ctr"/>
-          <a:p>
-            <a:endParaRPr/>
-          </a:p>
-        </p:txBody>
-      </p:sp>
-      <p:sp>
-        <p:nvSpPr>
-          <p:cNvPr id="99" name="PlaceHolder 2"/>
-          <p:cNvSpPr>
-            <a:spLocks noGrp="1"/>
-          </p:cNvSpPr>
-          <p:nvPr>
-            <p:ph type="body"/>
-          </p:nvPr>
-        </p:nvSpPr>
-        <p:spPr>
-          <a:xfrm>
-            <a:off x="685800" y="1600200"/>
-            <a:ext cx="7772040" cy="4343040"/>
-          </a:xfrm>
-          <a:prstGeom prst="rect">
-            <a:avLst/>
-          </a:prstGeom>
-        </p:spPr>
-        <p:txBody>
-          <a:bodyPr lIns="0" rIns="0" tIns="0" bIns="0"/>
-          <a:p>
-            <a:endParaRPr/>
-          </a:p>
-        </p:txBody>
-      </p:sp>
-    </p:spTree>
-  </p:cSld>
-</p:sldLayout>
-</file>
-
-<file path=ppt/slideLayouts/slideLayout28.xml><?xml version="1.0" encoding="utf-8"?>
-<p:sldLayout xmlns:a="http://schemas.openxmlformats.org/drawingml/2006/main" xmlns:p="http://schemas.openxmlformats.org/presentationml/2006/main" xmlns:r="http://schemas.openxmlformats.org/officeDocument/2006/relationships" type="twoObj" preserve="1">
-  <p:cSld name="Title, 2 Content">
-    <p:spTree>
-      <p:nvGrpSpPr>
-        <p:cNvPr id="1" name=""/>
-        <p:cNvGrpSpPr/>
-        <p:nvPr/>
-      </p:nvGrpSpPr>
-      <p:grpSpPr>
-        <a:xfrm>
-          <a:off x="0" y="0"/>
-          <a:ext cx="0" cy="0"/>
-          <a:chOff x="0" y="0"/>
-          <a:chExt cx="0" cy="0"/>
-        </a:xfrm>
-      </p:grpSpPr>
-      <p:sp>
-        <p:nvSpPr>
-          <p:cNvPr id="100" name="PlaceHolder 1"/>
-          <p:cNvSpPr>
-            <a:spLocks noGrp="1"/>
-          </p:cNvSpPr>
-          <p:nvPr>
-            <p:ph type="title"/>
-          </p:nvPr>
-        </p:nvSpPr>
-        <p:spPr>
-          <a:xfrm>
-            <a:off x="685800" y="533520"/>
-            <a:ext cx="7772040" cy="914400"/>
-          </a:xfrm>
-          <a:prstGeom prst="rect">
-            <a:avLst/>
-          </a:prstGeom>
-        </p:spPr>
-        <p:txBody>
-          <a:bodyPr lIns="0" rIns="0" tIns="0" bIns="0" anchor="ctr"/>
-          <a:p>
-            <a:endParaRPr/>
-          </a:p>
-        </p:txBody>
-      </p:sp>
-      <p:sp>
-        <p:nvSpPr>
-          <p:cNvPr id="101" name="PlaceHolder 2"/>
-          <p:cNvSpPr>
-            <a:spLocks noGrp="1"/>
-          </p:cNvSpPr>
-          <p:nvPr>
-            <p:ph type="body"/>
-          </p:nvPr>
-        </p:nvSpPr>
-        <p:spPr>
-          <a:xfrm>
-            <a:off x="685800" y="1600200"/>
-            <a:ext cx="3792600" cy="4343040"/>
-          </a:xfrm>
-          <a:prstGeom prst="rect">
-            <a:avLst/>
-          </a:prstGeom>
-        </p:spPr>
-        <p:txBody>
-          <a:bodyPr lIns="0" rIns="0" tIns="0" bIns="0"/>
-          <a:p>
-            <a:endParaRPr/>
-          </a:p>
-        </p:txBody>
-      </p:sp>
-      <p:sp>
-        <p:nvSpPr>
-          <p:cNvPr id="102" name="PlaceHolder 3"/>
-          <p:cNvSpPr>
-            <a:spLocks noGrp="1"/>
-          </p:cNvSpPr>
-          <p:nvPr>
-            <p:ph type="body"/>
-          </p:nvPr>
-        </p:nvSpPr>
-        <p:spPr>
-          <a:xfrm>
-            <a:off x="4668480" y="1600200"/>
-            <a:ext cx="3792600" cy="4343040"/>
-          </a:xfrm>
-          <a:prstGeom prst="rect">
-            <a:avLst/>
-          </a:prstGeom>
-        </p:spPr>
-        <p:txBody>
-          <a:bodyPr lIns="0" rIns="0" tIns="0" bIns="0"/>
-          <a:p>
-            <a:endParaRPr/>
-          </a:p>
-        </p:txBody>
-      </p:sp>
-    </p:spTree>
-  </p:cSld>
-</p:sldLayout>
-</file>
-
-<file path=ppt/slideLayouts/slideLayout29.xml><?xml version="1.0" encoding="utf-8"?>
-<p:sldLayout xmlns:a="http://schemas.openxmlformats.org/drawingml/2006/main" xmlns:p="http://schemas.openxmlformats.org/presentationml/2006/main" xmlns:r="http://schemas.openxmlformats.org/officeDocument/2006/relationships" type="titleOnly" preserve="1">
-  <p:cSld name="Title Only">
-    <p:spTree>
-      <p:nvGrpSpPr>
-        <p:cNvPr id="1" name=""/>
-        <p:cNvGrpSpPr/>
-        <p:nvPr/>
-      </p:nvGrpSpPr>
-      <p:grpSpPr>
-        <a:xfrm>
-          <a:off x="0" y="0"/>
-          <a:ext cx="0" cy="0"/>
-          <a:chOff x="0" y="0"/>
-          <a:chExt cx="0" cy="0"/>
-        </a:xfrm>
-      </p:grpSpPr>
-      <p:sp>
-        <p:nvSpPr>
-          <p:cNvPr id="103" name="PlaceHolder 1"/>
-          <p:cNvSpPr>
-            <a:spLocks noGrp="1"/>
-          </p:cNvSpPr>
-          <p:nvPr>
-            <p:ph type="title"/>
-          </p:nvPr>
-        </p:nvSpPr>
-        <p:spPr>
-          <a:xfrm>
-            <a:off x="685800" y="533520"/>
-            <a:ext cx="7772040" cy="914400"/>
-          </a:xfrm>
-          <a:prstGeom prst="rect">
-            <a:avLst/>
-          </a:prstGeom>
-        </p:spPr>
-        <p:txBody>
-          <a:bodyPr lIns="0" rIns="0" tIns="0" bIns="0" anchor="ctr"/>
-          <a:p>
-            <a:endParaRPr/>
-          </a:p>
-        </p:txBody>
-      </p:sp>
     </p:spTree>
   </p:cSld>
 </p:sldLayout>
@@ -2012,8 +1705,8 @@
         </p:nvSpPr>
         <p:spPr>
           <a:xfrm>
-            <a:off x="685800" y="533520"/>
-            <a:ext cx="7772040" cy="914400"/>
+            <a:off x="457200" y="273600"/>
+            <a:ext cx="8229240" cy="1145160"/>
           </a:xfrm>
           <a:prstGeom prst="rect">
             <a:avLst/>
@@ -2022,6 +1715,7 @@
         <p:txBody>
           <a:bodyPr lIns="0" rIns="0" tIns="0" bIns="0" anchor="ctr"/>
           <a:p>
+            <a:pPr algn="ctr"/>
             <a:endParaRPr/>
           </a:p>
         </p:txBody>
@@ -2038,8 +1732,8 @@
         </p:nvSpPr>
         <p:spPr>
           <a:xfrm>
-            <a:off x="685800" y="1600200"/>
-            <a:ext cx="7772040" cy="4343040"/>
+            <a:off x="457200" y="1604520"/>
+            <a:ext cx="8229240" cy="3977280"/>
           </a:xfrm>
           <a:prstGeom prst="rect">
             <a:avLst/>
@@ -2052,835 +1746,6 @@
           </a:p>
         </p:txBody>
       </p:sp>
-    </p:spTree>
-  </p:cSld>
-</p:sldLayout>
-</file>
-
-<file path=ppt/slideLayouts/slideLayout30.xml><?xml version="1.0" encoding="utf-8"?>
-<p:sldLayout xmlns:a="http://schemas.openxmlformats.org/drawingml/2006/main" xmlns:p="http://schemas.openxmlformats.org/presentationml/2006/main" xmlns:r="http://schemas.openxmlformats.org/officeDocument/2006/relationships" type="objOnly" preserve="1">
-  <p:cSld name="Centered Text">
-    <p:spTree>
-      <p:nvGrpSpPr>
-        <p:cNvPr id="1" name=""/>
-        <p:cNvGrpSpPr/>
-        <p:nvPr/>
-      </p:nvGrpSpPr>
-      <p:grpSpPr>
-        <a:xfrm>
-          <a:off x="0" y="0"/>
-          <a:ext cx="0" cy="0"/>
-          <a:chOff x="0" y="0"/>
-          <a:chExt cx="0" cy="0"/>
-        </a:xfrm>
-      </p:grpSpPr>
-      <p:sp>
-        <p:nvSpPr>
-          <p:cNvPr id="104" name="PlaceHolder 1"/>
-          <p:cNvSpPr>
-            <a:spLocks noGrp="1"/>
-          </p:cNvSpPr>
-          <p:nvPr>
-            <p:ph type="subTitle"/>
-          </p:nvPr>
-        </p:nvSpPr>
-        <p:spPr>
-          <a:xfrm>
-            <a:off x="685800" y="533520"/>
-            <a:ext cx="7772040" cy="4238640"/>
-          </a:xfrm>
-          <a:prstGeom prst="rect">
-            <a:avLst/>
-          </a:prstGeom>
-        </p:spPr>
-        <p:txBody>
-          <a:bodyPr lIns="0" rIns="0" tIns="0" bIns="0" anchor="ctr"/>
-          <a:p>
-            <a:pPr algn="ctr"/>
-            <a:endParaRPr/>
-          </a:p>
-        </p:txBody>
-      </p:sp>
-    </p:spTree>
-  </p:cSld>
-</p:sldLayout>
-</file>
-
-<file path=ppt/slideLayouts/slideLayout31.xml><?xml version="1.0" encoding="utf-8"?>
-<p:sldLayout xmlns:a="http://schemas.openxmlformats.org/drawingml/2006/main" xmlns:p="http://schemas.openxmlformats.org/presentationml/2006/main" xmlns:r="http://schemas.openxmlformats.org/officeDocument/2006/relationships" type="twoObjAndObj" preserve="1">
-  <p:cSld name="Title, 2 Content and Content">
-    <p:spTree>
-      <p:nvGrpSpPr>
-        <p:cNvPr id="1" name=""/>
-        <p:cNvGrpSpPr/>
-        <p:nvPr/>
-      </p:nvGrpSpPr>
-      <p:grpSpPr>
-        <a:xfrm>
-          <a:off x="0" y="0"/>
-          <a:ext cx="0" cy="0"/>
-          <a:chOff x="0" y="0"/>
-          <a:chExt cx="0" cy="0"/>
-        </a:xfrm>
-      </p:grpSpPr>
-      <p:sp>
-        <p:nvSpPr>
-          <p:cNvPr id="105" name="PlaceHolder 1"/>
-          <p:cNvSpPr>
-            <a:spLocks noGrp="1"/>
-          </p:cNvSpPr>
-          <p:nvPr>
-            <p:ph type="title"/>
-          </p:nvPr>
-        </p:nvSpPr>
-        <p:spPr>
-          <a:xfrm>
-            <a:off x="685800" y="533520"/>
-            <a:ext cx="7772040" cy="914400"/>
-          </a:xfrm>
-          <a:prstGeom prst="rect">
-            <a:avLst/>
-          </a:prstGeom>
-        </p:spPr>
-        <p:txBody>
-          <a:bodyPr lIns="0" rIns="0" tIns="0" bIns="0" anchor="ctr"/>
-          <a:p>
-            <a:endParaRPr/>
-          </a:p>
-        </p:txBody>
-      </p:sp>
-      <p:sp>
-        <p:nvSpPr>
-          <p:cNvPr id="106" name="PlaceHolder 2"/>
-          <p:cNvSpPr>
-            <a:spLocks noGrp="1"/>
-          </p:cNvSpPr>
-          <p:nvPr>
-            <p:ph type="body"/>
-          </p:nvPr>
-        </p:nvSpPr>
-        <p:spPr>
-          <a:xfrm>
-            <a:off x="685800" y="1600200"/>
-            <a:ext cx="3792600" cy="2071440"/>
-          </a:xfrm>
-          <a:prstGeom prst="rect">
-            <a:avLst/>
-          </a:prstGeom>
-        </p:spPr>
-        <p:txBody>
-          <a:bodyPr lIns="0" rIns="0" tIns="0" bIns="0"/>
-          <a:p>
-            <a:endParaRPr/>
-          </a:p>
-        </p:txBody>
-      </p:sp>
-      <p:sp>
-        <p:nvSpPr>
-          <p:cNvPr id="107" name="PlaceHolder 3"/>
-          <p:cNvSpPr>
-            <a:spLocks noGrp="1"/>
-          </p:cNvSpPr>
-          <p:nvPr>
-            <p:ph type="body"/>
-          </p:nvPr>
-        </p:nvSpPr>
-        <p:spPr>
-          <a:xfrm>
-            <a:off x="685800" y="3868920"/>
-            <a:ext cx="3792600" cy="2071440"/>
-          </a:xfrm>
-          <a:prstGeom prst="rect">
-            <a:avLst/>
-          </a:prstGeom>
-        </p:spPr>
-        <p:txBody>
-          <a:bodyPr lIns="0" rIns="0" tIns="0" bIns="0"/>
-          <a:p>
-            <a:endParaRPr/>
-          </a:p>
-        </p:txBody>
-      </p:sp>
-      <p:sp>
-        <p:nvSpPr>
-          <p:cNvPr id="108" name="PlaceHolder 4"/>
-          <p:cNvSpPr>
-            <a:spLocks noGrp="1"/>
-          </p:cNvSpPr>
-          <p:nvPr>
-            <p:ph type="body"/>
-          </p:nvPr>
-        </p:nvSpPr>
-        <p:spPr>
-          <a:xfrm>
-            <a:off x="4668480" y="1600200"/>
-            <a:ext cx="3792600" cy="4343040"/>
-          </a:xfrm>
-          <a:prstGeom prst="rect">
-            <a:avLst/>
-          </a:prstGeom>
-        </p:spPr>
-        <p:txBody>
-          <a:bodyPr lIns="0" rIns="0" tIns="0" bIns="0"/>
-          <a:p>
-            <a:endParaRPr/>
-          </a:p>
-        </p:txBody>
-      </p:sp>
-    </p:spTree>
-  </p:cSld>
-</p:sldLayout>
-</file>
-
-<file path=ppt/slideLayouts/slideLayout32.xml><?xml version="1.0" encoding="utf-8"?>
-<p:sldLayout xmlns:a="http://schemas.openxmlformats.org/drawingml/2006/main" xmlns:p="http://schemas.openxmlformats.org/presentationml/2006/main" xmlns:r="http://schemas.openxmlformats.org/officeDocument/2006/relationships" type="objAndTwoObj" preserve="1">
-  <p:cSld name="Title Content and 2 Content">
-    <p:spTree>
-      <p:nvGrpSpPr>
-        <p:cNvPr id="1" name=""/>
-        <p:cNvGrpSpPr/>
-        <p:nvPr/>
-      </p:nvGrpSpPr>
-      <p:grpSpPr>
-        <a:xfrm>
-          <a:off x="0" y="0"/>
-          <a:ext cx="0" cy="0"/>
-          <a:chOff x="0" y="0"/>
-          <a:chExt cx="0" cy="0"/>
-        </a:xfrm>
-      </p:grpSpPr>
-      <p:sp>
-        <p:nvSpPr>
-          <p:cNvPr id="109" name="PlaceHolder 1"/>
-          <p:cNvSpPr>
-            <a:spLocks noGrp="1"/>
-          </p:cNvSpPr>
-          <p:nvPr>
-            <p:ph type="title"/>
-          </p:nvPr>
-        </p:nvSpPr>
-        <p:spPr>
-          <a:xfrm>
-            <a:off x="685800" y="533520"/>
-            <a:ext cx="7772040" cy="914400"/>
-          </a:xfrm>
-          <a:prstGeom prst="rect">
-            <a:avLst/>
-          </a:prstGeom>
-        </p:spPr>
-        <p:txBody>
-          <a:bodyPr lIns="0" rIns="0" tIns="0" bIns="0" anchor="ctr"/>
-          <a:p>
-            <a:endParaRPr/>
-          </a:p>
-        </p:txBody>
-      </p:sp>
-      <p:sp>
-        <p:nvSpPr>
-          <p:cNvPr id="110" name="PlaceHolder 2"/>
-          <p:cNvSpPr>
-            <a:spLocks noGrp="1"/>
-          </p:cNvSpPr>
-          <p:nvPr>
-            <p:ph type="body"/>
-          </p:nvPr>
-        </p:nvSpPr>
-        <p:spPr>
-          <a:xfrm>
-            <a:off x="685800" y="1600200"/>
-            <a:ext cx="3792600" cy="4343040"/>
-          </a:xfrm>
-          <a:prstGeom prst="rect">
-            <a:avLst/>
-          </a:prstGeom>
-        </p:spPr>
-        <p:txBody>
-          <a:bodyPr lIns="0" rIns="0" tIns="0" bIns="0"/>
-          <a:p>
-            <a:endParaRPr/>
-          </a:p>
-        </p:txBody>
-      </p:sp>
-      <p:sp>
-        <p:nvSpPr>
-          <p:cNvPr id="111" name="PlaceHolder 3"/>
-          <p:cNvSpPr>
-            <a:spLocks noGrp="1"/>
-          </p:cNvSpPr>
-          <p:nvPr>
-            <p:ph type="body"/>
-          </p:nvPr>
-        </p:nvSpPr>
-        <p:spPr>
-          <a:xfrm>
-            <a:off x="4668480" y="1600200"/>
-            <a:ext cx="3792600" cy="2071440"/>
-          </a:xfrm>
-          <a:prstGeom prst="rect">
-            <a:avLst/>
-          </a:prstGeom>
-        </p:spPr>
-        <p:txBody>
-          <a:bodyPr lIns="0" rIns="0" tIns="0" bIns="0"/>
-          <a:p>
-            <a:endParaRPr/>
-          </a:p>
-        </p:txBody>
-      </p:sp>
-      <p:sp>
-        <p:nvSpPr>
-          <p:cNvPr id="112" name="PlaceHolder 4"/>
-          <p:cNvSpPr>
-            <a:spLocks noGrp="1"/>
-          </p:cNvSpPr>
-          <p:nvPr>
-            <p:ph type="body"/>
-          </p:nvPr>
-        </p:nvSpPr>
-        <p:spPr>
-          <a:xfrm>
-            <a:off x="4668480" y="3868920"/>
-            <a:ext cx="3792600" cy="2071440"/>
-          </a:xfrm>
-          <a:prstGeom prst="rect">
-            <a:avLst/>
-          </a:prstGeom>
-        </p:spPr>
-        <p:txBody>
-          <a:bodyPr lIns="0" rIns="0" tIns="0" bIns="0"/>
-          <a:p>
-            <a:endParaRPr/>
-          </a:p>
-        </p:txBody>
-      </p:sp>
-    </p:spTree>
-  </p:cSld>
-</p:sldLayout>
-</file>
-
-<file path=ppt/slideLayouts/slideLayout33.xml><?xml version="1.0" encoding="utf-8"?>
-<p:sldLayout xmlns:a="http://schemas.openxmlformats.org/drawingml/2006/main" xmlns:p="http://schemas.openxmlformats.org/presentationml/2006/main" xmlns:r="http://schemas.openxmlformats.org/officeDocument/2006/relationships" type="twoObjOverTx" preserve="1">
-  <p:cSld name="Title, 2 Content over Content">
-    <p:spTree>
-      <p:nvGrpSpPr>
-        <p:cNvPr id="1" name=""/>
-        <p:cNvGrpSpPr/>
-        <p:nvPr/>
-      </p:nvGrpSpPr>
-      <p:grpSpPr>
-        <a:xfrm>
-          <a:off x="0" y="0"/>
-          <a:ext cx="0" cy="0"/>
-          <a:chOff x="0" y="0"/>
-          <a:chExt cx="0" cy="0"/>
-        </a:xfrm>
-      </p:grpSpPr>
-      <p:sp>
-        <p:nvSpPr>
-          <p:cNvPr id="113" name="PlaceHolder 1"/>
-          <p:cNvSpPr>
-            <a:spLocks noGrp="1"/>
-          </p:cNvSpPr>
-          <p:nvPr>
-            <p:ph type="title"/>
-          </p:nvPr>
-        </p:nvSpPr>
-        <p:spPr>
-          <a:xfrm>
-            <a:off x="685800" y="533520"/>
-            <a:ext cx="7772040" cy="914400"/>
-          </a:xfrm>
-          <a:prstGeom prst="rect">
-            <a:avLst/>
-          </a:prstGeom>
-        </p:spPr>
-        <p:txBody>
-          <a:bodyPr lIns="0" rIns="0" tIns="0" bIns="0" anchor="ctr"/>
-          <a:p>
-            <a:endParaRPr/>
-          </a:p>
-        </p:txBody>
-      </p:sp>
-      <p:sp>
-        <p:nvSpPr>
-          <p:cNvPr id="114" name="PlaceHolder 2"/>
-          <p:cNvSpPr>
-            <a:spLocks noGrp="1"/>
-          </p:cNvSpPr>
-          <p:nvPr>
-            <p:ph type="body"/>
-          </p:nvPr>
-        </p:nvSpPr>
-        <p:spPr>
-          <a:xfrm>
-            <a:off x="685800" y="1600200"/>
-            <a:ext cx="3792600" cy="2071440"/>
-          </a:xfrm>
-          <a:prstGeom prst="rect">
-            <a:avLst/>
-          </a:prstGeom>
-        </p:spPr>
-        <p:txBody>
-          <a:bodyPr lIns="0" rIns="0" tIns="0" bIns="0"/>
-          <a:p>
-            <a:endParaRPr/>
-          </a:p>
-        </p:txBody>
-      </p:sp>
-      <p:sp>
-        <p:nvSpPr>
-          <p:cNvPr id="115" name="PlaceHolder 3"/>
-          <p:cNvSpPr>
-            <a:spLocks noGrp="1"/>
-          </p:cNvSpPr>
-          <p:nvPr>
-            <p:ph type="body"/>
-          </p:nvPr>
-        </p:nvSpPr>
-        <p:spPr>
-          <a:xfrm>
-            <a:off x="4668480" y="1600200"/>
-            <a:ext cx="3792600" cy="2071440"/>
-          </a:xfrm>
-          <a:prstGeom prst="rect">
-            <a:avLst/>
-          </a:prstGeom>
-        </p:spPr>
-        <p:txBody>
-          <a:bodyPr lIns="0" rIns="0" tIns="0" bIns="0"/>
-          <a:p>
-            <a:endParaRPr/>
-          </a:p>
-        </p:txBody>
-      </p:sp>
-      <p:sp>
-        <p:nvSpPr>
-          <p:cNvPr id="116" name="PlaceHolder 4"/>
-          <p:cNvSpPr>
-            <a:spLocks noGrp="1"/>
-          </p:cNvSpPr>
-          <p:nvPr>
-            <p:ph type="body"/>
-          </p:nvPr>
-        </p:nvSpPr>
-        <p:spPr>
-          <a:xfrm>
-            <a:off x="685800" y="3868920"/>
-            <a:ext cx="7772040" cy="2071440"/>
-          </a:xfrm>
-          <a:prstGeom prst="rect">
-            <a:avLst/>
-          </a:prstGeom>
-        </p:spPr>
-        <p:txBody>
-          <a:bodyPr lIns="0" rIns="0" tIns="0" bIns="0"/>
-          <a:p>
-            <a:endParaRPr/>
-          </a:p>
-        </p:txBody>
-      </p:sp>
-    </p:spTree>
-  </p:cSld>
-</p:sldLayout>
-</file>
-
-<file path=ppt/slideLayouts/slideLayout34.xml><?xml version="1.0" encoding="utf-8"?>
-<p:sldLayout xmlns:a="http://schemas.openxmlformats.org/drawingml/2006/main" xmlns:p="http://schemas.openxmlformats.org/presentationml/2006/main" xmlns:r="http://schemas.openxmlformats.org/officeDocument/2006/relationships" type="objOverTx" preserve="1">
-  <p:cSld name="Title, Content over Content">
-    <p:spTree>
-      <p:nvGrpSpPr>
-        <p:cNvPr id="1" name=""/>
-        <p:cNvGrpSpPr/>
-        <p:nvPr/>
-      </p:nvGrpSpPr>
-      <p:grpSpPr>
-        <a:xfrm>
-          <a:off x="0" y="0"/>
-          <a:ext cx="0" cy="0"/>
-          <a:chOff x="0" y="0"/>
-          <a:chExt cx="0" cy="0"/>
-        </a:xfrm>
-      </p:grpSpPr>
-      <p:sp>
-        <p:nvSpPr>
-          <p:cNvPr id="117" name="PlaceHolder 1"/>
-          <p:cNvSpPr>
-            <a:spLocks noGrp="1"/>
-          </p:cNvSpPr>
-          <p:nvPr>
-            <p:ph type="title"/>
-          </p:nvPr>
-        </p:nvSpPr>
-        <p:spPr>
-          <a:xfrm>
-            <a:off x="685800" y="533520"/>
-            <a:ext cx="7772040" cy="914400"/>
-          </a:xfrm>
-          <a:prstGeom prst="rect">
-            <a:avLst/>
-          </a:prstGeom>
-        </p:spPr>
-        <p:txBody>
-          <a:bodyPr lIns="0" rIns="0" tIns="0" bIns="0" anchor="ctr"/>
-          <a:p>
-            <a:endParaRPr/>
-          </a:p>
-        </p:txBody>
-      </p:sp>
-      <p:sp>
-        <p:nvSpPr>
-          <p:cNvPr id="118" name="PlaceHolder 2"/>
-          <p:cNvSpPr>
-            <a:spLocks noGrp="1"/>
-          </p:cNvSpPr>
-          <p:nvPr>
-            <p:ph type="body"/>
-          </p:nvPr>
-        </p:nvSpPr>
-        <p:spPr>
-          <a:xfrm>
-            <a:off x="685800" y="1600200"/>
-            <a:ext cx="7772040" cy="2071440"/>
-          </a:xfrm>
-          <a:prstGeom prst="rect">
-            <a:avLst/>
-          </a:prstGeom>
-        </p:spPr>
-        <p:txBody>
-          <a:bodyPr lIns="0" rIns="0" tIns="0" bIns="0"/>
-          <a:p>
-            <a:endParaRPr/>
-          </a:p>
-        </p:txBody>
-      </p:sp>
-      <p:sp>
-        <p:nvSpPr>
-          <p:cNvPr id="119" name="PlaceHolder 3"/>
-          <p:cNvSpPr>
-            <a:spLocks noGrp="1"/>
-          </p:cNvSpPr>
-          <p:nvPr>
-            <p:ph type="body"/>
-          </p:nvPr>
-        </p:nvSpPr>
-        <p:spPr>
-          <a:xfrm>
-            <a:off x="685800" y="3868920"/>
-            <a:ext cx="7772040" cy="2071440"/>
-          </a:xfrm>
-          <a:prstGeom prst="rect">
-            <a:avLst/>
-          </a:prstGeom>
-        </p:spPr>
-        <p:txBody>
-          <a:bodyPr lIns="0" rIns="0" tIns="0" bIns="0"/>
-          <a:p>
-            <a:endParaRPr/>
-          </a:p>
-        </p:txBody>
-      </p:sp>
-    </p:spTree>
-  </p:cSld>
-</p:sldLayout>
-</file>
-
-<file path=ppt/slideLayouts/slideLayout35.xml><?xml version="1.0" encoding="utf-8"?>
-<p:sldLayout xmlns:a="http://schemas.openxmlformats.org/drawingml/2006/main" xmlns:p="http://schemas.openxmlformats.org/presentationml/2006/main" xmlns:r="http://schemas.openxmlformats.org/officeDocument/2006/relationships" type="fourObj" preserve="1">
-  <p:cSld name="Title, 4 Content">
-    <p:spTree>
-      <p:nvGrpSpPr>
-        <p:cNvPr id="1" name=""/>
-        <p:cNvGrpSpPr/>
-        <p:nvPr/>
-      </p:nvGrpSpPr>
-      <p:grpSpPr>
-        <a:xfrm>
-          <a:off x="0" y="0"/>
-          <a:ext cx="0" cy="0"/>
-          <a:chOff x="0" y="0"/>
-          <a:chExt cx="0" cy="0"/>
-        </a:xfrm>
-      </p:grpSpPr>
-      <p:sp>
-        <p:nvSpPr>
-          <p:cNvPr id="120" name="PlaceHolder 1"/>
-          <p:cNvSpPr>
-            <a:spLocks noGrp="1"/>
-          </p:cNvSpPr>
-          <p:nvPr>
-            <p:ph type="title"/>
-          </p:nvPr>
-        </p:nvSpPr>
-        <p:spPr>
-          <a:xfrm>
-            <a:off x="685800" y="533520"/>
-            <a:ext cx="7772040" cy="914400"/>
-          </a:xfrm>
-          <a:prstGeom prst="rect">
-            <a:avLst/>
-          </a:prstGeom>
-        </p:spPr>
-        <p:txBody>
-          <a:bodyPr lIns="0" rIns="0" tIns="0" bIns="0" anchor="ctr"/>
-          <a:p>
-            <a:endParaRPr/>
-          </a:p>
-        </p:txBody>
-      </p:sp>
-      <p:sp>
-        <p:nvSpPr>
-          <p:cNvPr id="121" name="PlaceHolder 2"/>
-          <p:cNvSpPr>
-            <a:spLocks noGrp="1"/>
-          </p:cNvSpPr>
-          <p:nvPr>
-            <p:ph type="body"/>
-          </p:nvPr>
-        </p:nvSpPr>
-        <p:spPr>
-          <a:xfrm>
-            <a:off x="685800" y="1600200"/>
-            <a:ext cx="3792600" cy="2071440"/>
-          </a:xfrm>
-          <a:prstGeom prst="rect">
-            <a:avLst/>
-          </a:prstGeom>
-        </p:spPr>
-        <p:txBody>
-          <a:bodyPr lIns="0" rIns="0" tIns="0" bIns="0"/>
-          <a:p>
-            <a:endParaRPr/>
-          </a:p>
-        </p:txBody>
-      </p:sp>
-      <p:sp>
-        <p:nvSpPr>
-          <p:cNvPr id="122" name="PlaceHolder 3"/>
-          <p:cNvSpPr>
-            <a:spLocks noGrp="1"/>
-          </p:cNvSpPr>
-          <p:nvPr>
-            <p:ph type="body"/>
-          </p:nvPr>
-        </p:nvSpPr>
-        <p:spPr>
-          <a:xfrm>
-            <a:off x="4668480" y="1600200"/>
-            <a:ext cx="3792600" cy="2071440"/>
-          </a:xfrm>
-          <a:prstGeom prst="rect">
-            <a:avLst/>
-          </a:prstGeom>
-        </p:spPr>
-        <p:txBody>
-          <a:bodyPr lIns="0" rIns="0" tIns="0" bIns="0"/>
-          <a:p>
-            <a:endParaRPr/>
-          </a:p>
-        </p:txBody>
-      </p:sp>
-      <p:sp>
-        <p:nvSpPr>
-          <p:cNvPr id="123" name="PlaceHolder 4"/>
-          <p:cNvSpPr>
-            <a:spLocks noGrp="1"/>
-          </p:cNvSpPr>
-          <p:nvPr>
-            <p:ph type="body"/>
-          </p:nvPr>
-        </p:nvSpPr>
-        <p:spPr>
-          <a:xfrm>
-            <a:off x="4668480" y="3868920"/>
-            <a:ext cx="3792600" cy="2071440"/>
-          </a:xfrm>
-          <a:prstGeom prst="rect">
-            <a:avLst/>
-          </a:prstGeom>
-        </p:spPr>
-        <p:txBody>
-          <a:bodyPr lIns="0" rIns="0" tIns="0" bIns="0"/>
-          <a:p>
-            <a:endParaRPr/>
-          </a:p>
-        </p:txBody>
-      </p:sp>
-      <p:sp>
-        <p:nvSpPr>
-          <p:cNvPr id="124" name="PlaceHolder 5"/>
-          <p:cNvSpPr>
-            <a:spLocks noGrp="1"/>
-          </p:cNvSpPr>
-          <p:nvPr>
-            <p:ph type="body"/>
-          </p:nvPr>
-        </p:nvSpPr>
-        <p:spPr>
-          <a:xfrm>
-            <a:off x="685800" y="3868920"/>
-            <a:ext cx="3792600" cy="2071440"/>
-          </a:xfrm>
-          <a:prstGeom prst="rect">
-            <a:avLst/>
-          </a:prstGeom>
-        </p:spPr>
-        <p:txBody>
-          <a:bodyPr lIns="0" rIns="0" tIns="0" bIns="0"/>
-          <a:p>
-            <a:endParaRPr/>
-          </a:p>
-        </p:txBody>
-      </p:sp>
-    </p:spTree>
-  </p:cSld>
-</p:sldLayout>
-</file>
-
-<file path=ppt/slideLayouts/slideLayout36.xml><?xml version="1.0" encoding="utf-8"?>
-<p:sldLayout xmlns:a="http://schemas.openxmlformats.org/drawingml/2006/main" xmlns:p="http://schemas.openxmlformats.org/presentationml/2006/main" xmlns:r="http://schemas.openxmlformats.org/officeDocument/2006/relationships" type="blank" preserve="1">
-  <p:cSld name="Title, 6 Content">
-    <p:spTree>
-      <p:nvGrpSpPr>
-        <p:cNvPr id="1" name=""/>
-        <p:cNvGrpSpPr/>
-        <p:nvPr/>
-      </p:nvGrpSpPr>
-      <p:grpSpPr>
-        <a:xfrm>
-          <a:off x="0" y="0"/>
-          <a:ext cx="0" cy="0"/>
-          <a:chOff x="0" y="0"/>
-          <a:chExt cx="0" cy="0"/>
-        </a:xfrm>
-      </p:grpSpPr>
-      <p:sp>
-        <p:nvSpPr>
-          <p:cNvPr id="125" name="PlaceHolder 1"/>
-          <p:cNvSpPr>
-            <a:spLocks noGrp="1"/>
-          </p:cNvSpPr>
-          <p:nvPr>
-            <p:ph type="title"/>
-          </p:nvPr>
-        </p:nvSpPr>
-        <p:spPr>
-          <a:xfrm>
-            <a:off x="685800" y="533520"/>
-            <a:ext cx="7772040" cy="914400"/>
-          </a:xfrm>
-          <a:prstGeom prst="rect">
-            <a:avLst/>
-          </a:prstGeom>
-        </p:spPr>
-        <p:txBody>
-          <a:bodyPr lIns="0" rIns="0" tIns="0" bIns="0" anchor="ctr"/>
-          <a:p>
-            <a:endParaRPr/>
-          </a:p>
-        </p:txBody>
-      </p:sp>
-      <p:sp>
-        <p:nvSpPr>
-          <p:cNvPr id="126" name="PlaceHolder 2"/>
-          <p:cNvSpPr>
-            <a:spLocks noGrp="1"/>
-          </p:cNvSpPr>
-          <p:nvPr>
-            <p:ph type="body"/>
-          </p:nvPr>
-        </p:nvSpPr>
-        <p:spPr>
-          <a:xfrm>
-            <a:off x="685800" y="1600200"/>
-            <a:ext cx="7772040" cy="4343040"/>
-          </a:xfrm>
-          <a:prstGeom prst="rect">
-            <a:avLst/>
-          </a:prstGeom>
-        </p:spPr>
-        <p:txBody>
-          <a:bodyPr lIns="0" rIns="0" tIns="0" bIns="0"/>
-          <a:p>
-            <a:endParaRPr/>
-          </a:p>
-        </p:txBody>
-      </p:sp>
-      <p:sp>
-        <p:nvSpPr>
-          <p:cNvPr id="127" name="PlaceHolder 3"/>
-          <p:cNvSpPr>
-            <a:spLocks noGrp="1"/>
-          </p:cNvSpPr>
-          <p:nvPr>
-            <p:ph type="body"/>
-          </p:nvPr>
-        </p:nvSpPr>
-        <p:spPr>
-          <a:xfrm>
-            <a:off x="685800" y="1600200"/>
-            <a:ext cx="7772040" cy="4343040"/>
-          </a:xfrm>
-          <a:prstGeom prst="rect">
-            <a:avLst/>
-          </a:prstGeom>
-        </p:spPr>
-        <p:txBody>
-          <a:bodyPr lIns="0" rIns="0" tIns="0" bIns="0"/>
-          <a:p>
-            <a:endParaRPr/>
-          </a:p>
-        </p:txBody>
-      </p:sp>
-      <p:pic>
-        <p:nvPicPr>
-          <p:cNvPr id="128" name="" descr=""/>
-          <p:cNvPicPr/>
-          <p:nvPr/>
-        </p:nvPicPr>
-        <p:blipFill>
-          <a:blip r:embed="rId2"/>
-          <a:stretch>
-            <a:fillRect/>
-          </a:stretch>
-        </p:blipFill>
-        <p:spPr>
-          <a:xfrm>
-            <a:off x="1850040" y="1600200"/>
-            <a:ext cx="5443200" cy="4343040"/>
-          </a:xfrm>
-          <a:prstGeom prst="rect">
-            <a:avLst/>
-          </a:prstGeom>
-          <a:ln>
-            <a:noFill/>
-          </a:ln>
-        </p:spPr>
-      </p:pic>
-      <p:pic>
-        <p:nvPicPr>
-          <p:cNvPr id="129" name="" descr=""/>
-          <p:cNvPicPr/>
-          <p:nvPr/>
-        </p:nvPicPr>
-        <p:blipFill>
-          <a:blip r:embed="rId3"/>
-          <a:stretch>
-            <a:fillRect/>
-          </a:stretch>
-        </p:blipFill>
-        <p:spPr>
-          <a:xfrm>
-            <a:off x="1850040" y="1600200"/>
-            <a:ext cx="5443200" cy="4343040"/>
-          </a:xfrm>
-          <a:prstGeom prst="rect">
-            <a:avLst/>
-          </a:prstGeom>
-          <a:ln>
-            <a:noFill/>
-          </a:ln>
-        </p:spPr>
-      </p:pic>
     </p:spTree>
   </p:cSld>
 </p:sldLayout>
@@ -2915,8 +1780,8 @@
         </p:nvSpPr>
         <p:spPr>
           <a:xfrm>
-            <a:off x="685800" y="533520"/>
-            <a:ext cx="7772040" cy="914400"/>
+            <a:off x="457200" y="273600"/>
+            <a:ext cx="8229240" cy="1145160"/>
           </a:xfrm>
           <a:prstGeom prst="rect">
             <a:avLst/>
@@ -2925,6 +1790,7 @@
         <p:txBody>
           <a:bodyPr lIns="0" rIns="0" tIns="0" bIns="0" anchor="ctr"/>
           <a:p>
+            <a:pPr algn="ctr"/>
             <a:endParaRPr/>
           </a:p>
         </p:txBody>
@@ -2941,8 +1807,8 @@
         </p:nvSpPr>
         <p:spPr>
           <a:xfrm>
-            <a:off x="685800" y="1600200"/>
-            <a:ext cx="3792600" cy="4343040"/>
+            <a:off x="457200" y="1604520"/>
+            <a:ext cx="4015800" cy="3977280"/>
           </a:xfrm>
           <a:prstGeom prst="rect">
             <a:avLst/>
@@ -2967,8 +1833,8 @@
         </p:nvSpPr>
         <p:spPr>
           <a:xfrm>
-            <a:off x="4668480" y="1600200"/>
-            <a:ext cx="3792600" cy="4343040"/>
+            <a:off x="4674240" y="1604520"/>
+            <a:ext cx="4015800" cy="3977280"/>
           </a:xfrm>
           <a:prstGeom prst="rect">
             <a:avLst/>
@@ -3015,8 +1881,8 @@
         </p:nvSpPr>
         <p:spPr>
           <a:xfrm>
-            <a:off x="685800" y="533520"/>
-            <a:ext cx="7772040" cy="914400"/>
+            <a:off x="457200" y="273600"/>
+            <a:ext cx="8229240" cy="1145160"/>
           </a:xfrm>
           <a:prstGeom prst="rect">
             <a:avLst/>
@@ -3025,6 +1891,7 @@
         <p:txBody>
           <a:bodyPr lIns="0" rIns="0" tIns="0" bIns="0" anchor="ctr"/>
           <a:p>
+            <a:pPr algn="ctr"/>
             <a:endParaRPr/>
           </a:p>
         </p:txBody>
@@ -3063,8 +1930,8 @@
         </p:nvSpPr>
         <p:spPr>
           <a:xfrm>
-            <a:off x="685800" y="533520"/>
-            <a:ext cx="7772040" cy="4238640"/>
+            <a:off x="457200" y="273600"/>
+            <a:ext cx="8229240" cy="5308200"/>
           </a:xfrm>
           <a:prstGeom prst="rect">
             <a:avLst/>
@@ -3112,8 +1979,8 @@
         </p:nvSpPr>
         <p:spPr>
           <a:xfrm>
-            <a:off x="685800" y="533520"/>
-            <a:ext cx="7772040" cy="914400"/>
+            <a:off x="457200" y="273600"/>
+            <a:ext cx="8229240" cy="1145160"/>
           </a:xfrm>
           <a:prstGeom prst="rect">
             <a:avLst/>
@@ -3122,6 +1989,7 @@
         <p:txBody>
           <a:bodyPr lIns="0" rIns="0" tIns="0" bIns="0" anchor="ctr"/>
           <a:p>
+            <a:pPr algn="ctr"/>
             <a:endParaRPr/>
           </a:p>
         </p:txBody>
@@ -3138,8 +2006,8 @@
         </p:nvSpPr>
         <p:spPr>
           <a:xfrm>
-            <a:off x="685800" y="1600200"/>
-            <a:ext cx="3792600" cy="2071440"/>
+            <a:off x="457200" y="1604520"/>
+            <a:ext cx="4015800" cy="1896840"/>
           </a:xfrm>
           <a:prstGeom prst="rect">
             <a:avLst/>
@@ -3164,8 +2032,8 @@
         </p:nvSpPr>
         <p:spPr>
           <a:xfrm>
-            <a:off x="685800" y="3868920"/>
-            <a:ext cx="3792600" cy="2071440"/>
+            <a:off x="457200" y="3682080"/>
+            <a:ext cx="4015800" cy="1896840"/>
           </a:xfrm>
           <a:prstGeom prst="rect">
             <a:avLst/>
@@ -3190,8 +2058,8 @@
         </p:nvSpPr>
         <p:spPr>
           <a:xfrm>
-            <a:off x="4668480" y="1600200"/>
-            <a:ext cx="3792600" cy="4343040"/>
+            <a:off x="4674240" y="1604520"/>
+            <a:ext cx="4015800" cy="3977280"/>
           </a:xfrm>
           <a:prstGeom prst="rect">
             <a:avLst/>
@@ -3238,8 +2106,8 @@
         </p:nvSpPr>
         <p:spPr>
           <a:xfrm>
-            <a:off x="685800" y="533520"/>
-            <a:ext cx="7772040" cy="914400"/>
+            <a:off x="457200" y="273600"/>
+            <a:ext cx="8229240" cy="1145160"/>
           </a:xfrm>
           <a:prstGeom prst="rect">
             <a:avLst/>
@@ -3248,6 +2116,7 @@
         <p:txBody>
           <a:bodyPr lIns="0" rIns="0" tIns="0" bIns="0" anchor="ctr"/>
           <a:p>
+            <a:pPr algn="ctr"/>
             <a:endParaRPr/>
           </a:p>
         </p:txBody>
@@ -3264,8 +2133,8 @@
         </p:nvSpPr>
         <p:spPr>
           <a:xfrm>
-            <a:off x="685800" y="1600200"/>
-            <a:ext cx="3792600" cy="4343040"/>
+            <a:off x="457200" y="1604520"/>
+            <a:ext cx="4015800" cy="3977280"/>
           </a:xfrm>
           <a:prstGeom prst="rect">
             <a:avLst/>
@@ -3290,8 +2159,8 @@
         </p:nvSpPr>
         <p:spPr>
           <a:xfrm>
-            <a:off x="4668480" y="1600200"/>
-            <a:ext cx="3792600" cy="2071440"/>
+            <a:off x="4674240" y="1604520"/>
+            <a:ext cx="4015800" cy="1896840"/>
           </a:xfrm>
           <a:prstGeom prst="rect">
             <a:avLst/>
@@ -3316,8 +2185,8 @@
         </p:nvSpPr>
         <p:spPr>
           <a:xfrm>
-            <a:off x="4668480" y="3868920"/>
-            <a:ext cx="3792600" cy="2071440"/>
+            <a:off x="4674240" y="3682080"/>
+            <a:ext cx="4015800" cy="1896840"/>
           </a:xfrm>
           <a:prstGeom prst="rect">
             <a:avLst/>
@@ -3364,8 +2233,8 @@
         </p:nvSpPr>
         <p:spPr>
           <a:xfrm>
-            <a:off x="685800" y="533520"/>
-            <a:ext cx="7772040" cy="914400"/>
+            <a:off x="457200" y="273600"/>
+            <a:ext cx="8229240" cy="1145160"/>
           </a:xfrm>
           <a:prstGeom prst="rect">
             <a:avLst/>
@@ -3374,6 +2243,7 @@
         <p:txBody>
           <a:bodyPr lIns="0" rIns="0" tIns="0" bIns="0" anchor="ctr"/>
           <a:p>
+            <a:pPr algn="ctr"/>
             <a:endParaRPr/>
           </a:p>
         </p:txBody>
@@ -3390,8 +2260,8 @@
         </p:nvSpPr>
         <p:spPr>
           <a:xfrm>
-            <a:off x="685800" y="1600200"/>
-            <a:ext cx="3792600" cy="2071440"/>
+            <a:off x="457200" y="1604520"/>
+            <a:ext cx="4015800" cy="1896840"/>
           </a:xfrm>
           <a:prstGeom prst="rect">
             <a:avLst/>
@@ -3416,8 +2286,8 @@
         </p:nvSpPr>
         <p:spPr>
           <a:xfrm>
-            <a:off x="4668480" y="1600200"/>
-            <a:ext cx="3792600" cy="2071440"/>
+            <a:off x="4674240" y="1604520"/>
+            <a:ext cx="4015800" cy="1896840"/>
           </a:xfrm>
           <a:prstGeom prst="rect">
             <a:avLst/>
@@ -3442,8 +2312,8 @@
         </p:nvSpPr>
         <p:spPr>
           <a:xfrm>
-            <a:off x="685800" y="3868920"/>
-            <a:ext cx="7772040" cy="2071440"/>
+            <a:off x="457200" y="3682080"/>
+            <a:ext cx="8229240" cy="1896840"/>
           </a:xfrm>
           <a:prstGeom prst="rect">
             <a:avLst/>
@@ -3500,7 +2370,7 @@
         <p:spPr>
           <a:xfrm>
             <a:off x="0" y="6324480"/>
-            <a:ext cx="9145080" cy="533160"/>
+            <a:ext cx="9144720" cy="532800"/>
           </a:xfrm>
           <a:prstGeom prst="rect">
             <a:avLst/>
@@ -3525,7 +2395,7 @@
         <p:spPr>
           <a:xfrm>
             <a:off x="152280" y="6375240"/>
-            <a:ext cx="1371240" cy="398160"/>
+            <a:ext cx="1370880" cy="397800"/>
           </a:xfrm>
           <a:prstGeom prst="rect">
             <a:avLst/>
@@ -3550,7 +2420,7 @@
         <p:spPr>
           <a:xfrm>
             <a:off x="4343400" y="6353280"/>
-            <a:ext cx="533160" cy="504360"/>
+            <a:ext cx="532800" cy="504000"/>
           </a:xfrm>
           <a:prstGeom prst="rect">
             <a:avLst/>
@@ -3575,7 +2445,7 @@
         <p:spPr>
           <a:xfrm>
             <a:off x="7581600" y="6374520"/>
-            <a:ext cx="1398960" cy="431640"/>
+            <a:ext cx="1398600" cy="431280"/>
           </a:xfrm>
           <a:prstGeom prst="rect">
             <a:avLst/>
@@ -3594,7 +2464,7 @@
         <p:spPr>
           <a:xfrm>
             <a:off x="0" y="6432480"/>
-            <a:ext cx="3744720" cy="228960"/>
+            <a:ext cx="3744360" cy="228600"/>
           </a:xfrm>
           <a:prstGeom prst="rect">
             <a:avLst/>
@@ -3605,7 +2475,7 @@
           </a:ln>
         </p:spPr>
         <p:txBody>
-          <a:bodyPr lIns="91080" rIns="91080"/>
+          <a:bodyPr lIns="91080" rIns="91080" tIns="45000" bIns="45000"/>
           <a:p>
             <a:pPr>
               <a:lnSpc>
@@ -3641,7 +2511,7 @@
         <p:spPr>
           <a:xfrm>
             <a:off x="6934320" y="4613400"/>
-            <a:ext cx="2209320" cy="2091960"/>
+            <a:ext cx="2208960" cy="2091600"/>
           </a:xfrm>
           <a:prstGeom prst="rect">
             <a:avLst/>
@@ -3666,7 +2536,7 @@
         <p:spPr>
           <a:xfrm>
             <a:off x="360720" y="5791320"/>
-            <a:ext cx="2590560" cy="753840"/>
+            <a:ext cx="2590200" cy="753480"/>
           </a:xfrm>
           <a:prstGeom prst="rect">
             <a:avLst/>
@@ -3691,7 +2561,7 @@
         <p:spPr>
           <a:xfrm>
             <a:off x="0" y="0"/>
-            <a:ext cx="3400200" cy="5036760"/>
+            <a:ext cx="3399840" cy="5036400"/>
           </a:xfrm>
           <a:prstGeom prst="rect">
             <a:avLst/>
@@ -3701,50 +2571,9 @@
           </a:ln>
         </p:spPr>
       </p:pic>
-      <p:sp>
-        <p:nvSpPr>
-          <p:cNvPr id="8" name="PlaceHolder 2"/>
-          <p:cNvSpPr>
-            <a:spLocks noGrp="1"/>
-          </p:cNvSpPr>
-          <p:nvPr>
-            <p:ph type="title"/>
-          </p:nvPr>
-        </p:nvSpPr>
-        <p:spPr>
-          <a:xfrm>
-            <a:off x="3505320" y="504720"/>
-            <a:ext cx="5257440" cy="1904760"/>
-          </a:xfrm>
-          <a:prstGeom prst="rect">
-            <a:avLst/>
-          </a:prstGeom>
-        </p:spPr>
-        <p:txBody>
-          <a:bodyPr lIns="91080" rIns="91080"/>
-          <a:p>
-            <a:pPr>
-              <a:lnSpc>
-                <a:spcPct val="100000"/>
-              </a:lnSpc>
-            </a:pPr>
-            <a:r>
-              <a:rPr lang="en-US" sz="3600">
-                <a:solidFill>
-                  <a:srgbClr val="000000"/>
-                </a:solidFill>
-                <a:latin typeface="Arial"/>
-                <a:ea typeface="ＭＳ Ｐゴシック"/>
-              </a:rPr>
-              <a:t>Click to edit the title text formatClick to edit Master title style</a:t>
-            </a:r>
-            <a:endParaRPr/>
-          </a:p>
-        </p:txBody>
-      </p:sp>
       <p:pic>
         <p:nvPicPr>
-          <p:cNvPr id="9" name="Picture 1" descr=""/>
+          <p:cNvPr id="8" name="Picture 1" descr=""/>
           <p:cNvPicPr/>
           <p:nvPr/>
         </p:nvPicPr>
@@ -3757,7 +2586,7 @@
         <p:spPr>
           <a:xfrm>
             <a:off x="441360" y="5122800"/>
-            <a:ext cx="2469600" cy="763200"/>
+            <a:ext cx="2469240" cy="762840"/>
           </a:xfrm>
           <a:prstGeom prst="rect">
             <a:avLst/>
@@ -3767,6 +2596,38 @@
           </a:ln>
         </p:spPr>
       </p:pic>
+      <p:sp>
+        <p:nvSpPr>
+          <p:cNvPr id="9" name="PlaceHolder 2"/>
+          <p:cNvSpPr>
+            <a:spLocks noGrp="1"/>
+          </p:cNvSpPr>
+          <p:nvPr>
+            <p:ph type="title"/>
+          </p:nvPr>
+        </p:nvSpPr>
+        <p:spPr>
+          <a:xfrm>
+            <a:off x="685800" y="533520"/>
+            <a:ext cx="7771680" cy="914040"/>
+          </a:xfrm>
+          <a:prstGeom prst="rect">
+            <a:avLst/>
+          </a:prstGeom>
+        </p:spPr>
+        <p:txBody>
+          <a:bodyPr lIns="0" rIns="0" tIns="0" bIns="0" anchor="ctr"/>
+          <a:p>
+            <a:r>
+              <a:rPr lang="en-GB">
+                <a:latin typeface="Arial"/>
+              </a:rPr>
+              <a:t>Click to edit the title text format</a:t>
+            </a:r>
+            <a:endParaRPr/>
+          </a:p>
+        </p:txBody>
+      </p:sp>
       <p:sp>
         <p:nvSpPr>
           <p:cNvPr id="10" name="PlaceHolder 3"/>
@@ -3795,7 +2656,7 @@
               <a:buChar char=""/>
             </a:pPr>
             <a:r>
-              <a:rPr lang="en-US" sz="2200">
+              <a:rPr lang="en-GB" sz="3200">
                 <a:latin typeface="Arial"/>
               </a:rPr>
               <a:t>Click to edit the outline text format</a:t>
@@ -3809,7 +2670,7 @@
               <a:buChar char=""/>
             </a:pPr>
             <a:r>
-              <a:rPr lang="en-US">
+              <a:rPr lang="en-GB" sz="2800">
                 <a:latin typeface="Arial"/>
               </a:rPr>
               <a:t>Second Outline Level</a:t>
@@ -3823,7 +2684,7 @@
               <a:buChar char=""/>
             </a:pPr>
             <a:r>
-              <a:rPr lang="en-US" sz="1600">
+              <a:rPr lang="en-GB" sz="2400">
                 <a:latin typeface="Arial"/>
               </a:rPr>
               <a:t>Third Outline Level</a:t>
@@ -3837,7 +2698,7 @@
               <a:buChar char=""/>
             </a:pPr>
             <a:r>
-              <a:rPr lang="en-US" sz="1400">
+              <a:rPr lang="en-GB" sz="2000">
                 <a:latin typeface="Arial"/>
               </a:rPr>
               <a:t>Fourth Outline Level</a:t>
@@ -3851,7 +2712,7 @@
               <a:buChar char=""/>
             </a:pPr>
             <a:r>
-              <a:rPr lang="en-US" sz="2000">
+              <a:rPr lang="en-GB" sz="2000">
                 <a:latin typeface="Arial"/>
               </a:rPr>
               <a:t>Fifth Outline Level</a:t>
@@ -3865,7 +2726,7 @@
               <a:buChar char=""/>
             </a:pPr>
             <a:r>
-              <a:rPr lang="en-US" sz="2000">
+              <a:rPr lang="en-GB" sz="2000">
                 <a:latin typeface="Arial"/>
               </a:rPr>
               <a:t>Sixth Outline Level</a:t>
@@ -3879,7 +2740,7 @@
               <a:buChar char=""/>
             </a:pPr>
             <a:r>
-              <a:rPr lang="en-US" sz="2000">
+              <a:rPr lang="en-GB" sz="2000">
                 <a:latin typeface="Arial"/>
               </a:rPr>
               <a:t>Seventh Outline Level</a:t>
@@ -3947,7 +2808,7 @@
         <p:spPr>
           <a:xfrm>
             <a:off x="0" y="6324480"/>
-            <a:ext cx="9145080" cy="533160"/>
+            <a:ext cx="9144720" cy="532800"/>
           </a:xfrm>
           <a:prstGeom prst="rect">
             <a:avLst/>
@@ -3972,7 +2833,7 @@
         <p:spPr>
           <a:xfrm>
             <a:off x="152280" y="6375240"/>
-            <a:ext cx="1371240" cy="398160"/>
+            <a:ext cx="1370880" cy="397800"/>
           </a:xfrm>
           <a:prstGeom prst="rect">
             <a:avLst/>
@@ -3997,7 +2858,7 @@
         <p:spPr>
           <a:xfrm>
             <a:off x="4343400" y="6353280"/>
-            <a:ext cx="533160" cy="504360"/>
+            <a:ext cx="532800" cy="504000"/>
           </a:xfrm>
           <a:prstGeom prst="rect">
             <a:avLst/>
@@ -4022,7 +2883,7 @@
         <p:spPr>
           <a:xfrm>
             <a:off x="7581600" y="6374520"/>
-            <a:ext cx="1398960" cy="431640"/>
+            <a:ext cx="1398600" cy="431280"/>
           </a:xfrm>
           <a:prstGeom prst="rect">
             <a:avLst/>
@@ -4044,30 +2905,22 @@
         </p:nvSpPr>
         <p:spPr>
           <a:xfrm>
-            <a:off x="685800" y="533520"/>
-            <a:ext cx="7772040" cy="914040"/>
-          </a:xfrm>
-          <a:prstGeom prst="rect">
-            <a:avLst/>
-          </a:prstGeom>
-        </p:spPr>
-        <p:txBody>
-          <a:bodyPr lIns="91080" rIns="91080"/>
-          <a:p>
-            <a:pPr>
-              <a:lnSpc>
-                <a:spcPct val="100000"/>
-              </a:lnSpc>
-            </a:pPr>
+            <a:off x="457200" y="273600"/>
+            <a:ext cx="8229240" cy="1144800"/>
+          </a:xfrm>
+          <a:prstGeom prst="rect">
+            <a:avLst/>
+          </a:prstGeom>
+        </p:spPr>
+        <p:txBody>
+          <a:bodyPr lIns="0" rIns="0" tIns="0" bIns="0" anchor="ctr"/>
+          <a:p>
+            <a:pPr algn="ctr"/>
             <a:r>
-              <a:rPr lang="en-US" sz="3600">
-                <a:solidFill>
-                  <a:srgbClr val="000000"/>
-                </a:solidFill>
+              <a:rPr lang="en-GB" sz="4400">
                 <a:latin typeface="Arial"/>
-                <a:ea typeface="ＭＳ Ｐゴシック"/>
               </a:rPr>
-              <a:t>Click to edit the title text formatClick to edit Master title style</a:t>
+              <a:t>Click to edit the title text format</a:t>
             </a:r>
             <a:endParaRPr/>
           </a:p>
@@ -4085,15 +2938,15 @@
         </p:nvSpPr>
         <p:spPr>
           <a:xfrm>
-            <a:off x="685800" y="1600200"/>
-            <a:ext cx="7772040" cy="4343040"/>
-          </a:xfrm>
-          <a:prstGeom prst="rect">
-            <a:avLst/>
-          </a:prstGeom>
-        </p:spPr>
-        <p:txBody>
-          <a:bodyPr lIns="91080" rIns="91080"/>
+            <a:off x="457200" y="1604520"/>
+            <a:ext cx="8229240" cy="3977280"/>
+          </a:xfrm>
+          <a:prstGeom prst="rect">
+            <a:avLst/>
+          </a:prstGeom>
+        </p:spPr>
+        <p:txBody>
+          <a:bodyPr lIns="0" rIns="0" tIns="0" bIns="0"/>
           <a:p>
             <a:pPr>
               <a:buSzPct val="45000"/>
@@ -4101,12 +2954,8 @@
               <a:buChar char=""/>
             </a:pPr>
             <a:r>
-              <a:rPr lang="en-US" sz="2200">
-                <a:solidFill>
-                  <a:srgbClr val="000000"/>
-                </a:solidFill>
+              <a:rPr lang="en-GB" sz="3200">
                 <a:latin typeface="Arial"/>
-                <a:ea typeface="ＭＳ Ｐゴシック"/>
               </a:rPr>
               <a:t>Click to edit the outline text format</a:t>
             </a:r>
@@ -4119,12 +2968,8 @@
               <a:buChar char=""/>
             </a:pPr>
             <a:r>
-              <a:rPr lang="en-US" sz="2200">
-                <a:solidFill>
-                  <a:srgbClr val="000000"/>
-                </a:solidFill>
+              <a:rPr lang="en-GB" sz="2800">
                 <a:latin typeface="Arial"/>
-                <a:ea typeface="ＭＳ Ｐゴシック"/>
               </a:rPr>
               <a:t>Second Outline Level</a:t>
             </a:r>
@@ -4137,12 +2982,8 @@
               <a:buChar char=""/>
             </a:pPr>
             <a:r>
-              <a:rPr lang="en-US" sz="2200">
-                <a:solidFill>
-                  <a:srgbClr val="000000"/>
-                </a:solidFill>
+              <a:rPr lang="en-GB" sz="2400">
                 <a:latin typeface="Arial"/>
-                <a:ea typeface="ＭＳ Ｐゴシック"/>
               </a:rPr>
               <a:t>Third Outline Level</a:t>
             </a:r>
@@ -4155,12 +2996,8 @@
               <a:buChar char=""/>
             </a:pPr>
             <a:r>
-              <a:rPr lang="en-US" sz="2200">
-                <a:solidFill>
-                  <a:srgbClr val="000000"/>
-                </a:solidFill>
+              <a:rPr lang="en-GB" sz="2000">
                 <a:latin typeface="Arial"/>
-                <a:ea typeface="ＭＳ Ｐゴシック"/>
               </a:rPr>
               <a:t>Fourth Outline Level</a:t>
             </a:r>
@@ -4173,12 +3010,8 @@
               <a:buChar char=""/>
             </a:pPr>
             <a:r>
-              <a:rPr lang="en-US" sz="2200">
-                <a:solidFill>
-                  <a:srgbClr val="000000"/>
-                </a:solidFill>
+              <a:rPr lang="en-GB" sz="2000">
                 <a:latin typeface="Arial"/>
-                <a:ea typeface="ＭＳ Ｐゴシック"/>
               </a:rPr>
               <a:t>Fifth Outline Level</a:t>
             </a:r>
@@ -4191,167 +3024,25 @@
               <a:buChar char=""/>
             </a:pPr>
             <a:r>
-              <a:rPr lang="en-US" sz="2200">
-                <a:solidFill>
-                  <a:srgbClr val="000000"/>
-                </a:solidFill>
+              <a:rPr lang="en-GB" sz="2000">
                 <a:latin typeface="Arial"/>
-                <a:ea typeface="ＭＳ Ｐゴシック"/>
               </a:rPr>
               <a:t>Sixth Outline Level</a:t>
             </a:r>
             <a:endParaRPr/>
           </a:p>
           <a:p>
-            <a:pPr>
-              <a:lnSpc>
-                <a:spcPct val="100000"/>
-              </a:lnSpc>
-              <a:buFont typeface="Times"/>
-              <a:buChar char="•"/>
+            <a:pPr lvl="6">
+              <a:buSzPct val="45000"/>
+              <a:buFont typeface="StarSymbol"/>
+              <a:buChar char=""/>
             </a:pPr>
             <a:r>
-              <a:rPr lang="en-US" sz="2200">
-                <a:solidFill>
-                  <a:srgbClr val="000000"/>
-                </a:solidFill>
+              <a:rPr lang="en-GB" sz="2000">
                 <a:latin typeface="Arial"/>
-                <a:ea typeface="ＭＳ Ｐゴシック"/>
               </a:rPr>
-              <a:t>Seventh Outline LevelClick to edit Master text styles</a:t>
+              <a:t>Seventh Outline Level</a:t>
             </a:r>
-            <a:endParaRPr/>
-          </a:p>
-          <a:p>
-            <a:pPr lvl="1">
-              <a:lnSpc>
-                <a:spcPct val="100000"/>
-              </a:lnSpc>
-              <a:buFont typeface="Times"/>
-              <a:buChar char="•"/>
-            </a:pPr>
-            <a:r>
-              <a:rPr lang="en-US" sz="2000">
-                <a:solidFill>
-                  <a:srgbClr val="000000"/>
-                </a:solidFill>
-                <a:latin typeface="Arial"/>
-                <a:ea typeface="ＭＳ Ｐゴシック"/>
-              </a:rPr>
-              <a:t>Second level</a:t>
-            </a:r>
-            <a:endParaRPr/>
-          </a:p>
-          <a:p>
-            <a:pPr lvl="2">
-              <a:lnSpc>
-                <a:spcPct val="100000"/>
-              </a:lnSpc>
-              <a:buFont typeface="Times"/>
-              <a:buChar char="•"/>
-            </a:pPr>
-            <a:r>
-              <a:rPr lang="en-US">
-                <a:solidFill>
-                  <a:srgbClr val="000000"/>
-                </a:solidFill>
-                <a:latin typeface="Arial"/>
-                <a:ea typeface="ＭＳ Ｐゴシック"/>
-              </a:rPr>
-              <a:t>Third level</a:t>
-            </a:r>
-            <a:endParaRPr/>
-          </a:p>
-          <a:p>
-            <a:pPr lvl="3">
-              <a:lnSpc>
-                <a:spcPct val="100000"/>
-              </a:lnSpc>
-              <a:buFont typeface="Times"/>
-              <a:buChar char="•"/>
-            </a:pPr>
-            <a:r>
-              <a:rPr lang="en-US" sz="1600">
-                <a:solidFill>
-                  <a:srgbClr val="000000"/>
-                </a:solidFill>
-                <a:latin typeface="Arial"/>
-                <a:ea typeface="ＭＳ Ｐゴシック"/>
-              </a:rPr>
-              <a:t>Fourth level</a:t>
-            </a:r>
-            <a:endParaRPr/>
-          </a:p>
-          <a:p>
-            <a:pPr lvl="4">
-              <a:lnSpc>
-                <a:spcPct val="100000"/>
-              </a:lnSpc>
-              <a:buFont typeface="Times"/>
-              <a:buChar char="•"/>
-            </a:pPr>
-            <a:r>
-              <a:rPr lang="en-US" sz="1400">
-                <a:solidFill>
-                  <a:srgbClr val="000000"/>
-                </a:solidFill>
-                <a:latin typeface="Arial"/>
-                <a:ea typeface="ＭＳ Ｐゴシック"/>
-              </a:rPr>
-              <a:t>Fifth level</a:t>
-            </a:r>
-            <a:endParaRPr/>
-          </a:p>
-        </p:txBody>
-      </p:sp>
-      <p:sp>
-        <p:nvSpPr>
-          <p:cNvPr id="51" name="PlaceHolder 3"/>
-          <p:cNvSpPr>
-            <a:spLocks noGrp="1"/>
-          </p:cNvSpPr>
-          <p:nvPr>
-            <p:ph type="dt"/>
-          </p:nvPr>
-        </p:nvSpPr>
-        <p:spPr>
-          <a:xfrm>
-            <a:off x="2209680" y="6400800"/>
-            <a:ext cx="1142640" cy="380520"/>
-          </a:xfrm>
-          <a:prstGeom prst="rect">
-            <a:avLst/>
-          </a:prstGeom>
-        </p:spPr>
-        <p:txBody>
-          <a:bodyPr lIns="91080" rIns="91080" anchor="ctr"/>
-          <a:p>
-            <a:endParaRPr/>
-          </a:p>
-        </p:txBody>
-      </p:sp>
-      <p:sp>
-        <p:nvSpPr>
-          <p:cNvPr id="52" name="PlaceHolder 4"/>
-          <p:cNvSpPr>
-            <a:spLocks noGrp="1"/>
-          </p:cNvSpPr>
-          <p:nvPr>
-            <p:ph type="ftr"/>
-          </p:nvPr>
-        </p:nvSpPr>
-        <p:spPr>
-          <a:xfrm>
-            <a:off x="6019920" y="6400800"/>
-            <a:ext cx="1294920" cy="380520"/>
-          </a:xfrm>
-          <a:prstGeom prst="rect">
-            <a:avLst/>
-          </a:prstGeom>
-        </p:spPr>
-        <p:txBody>
-          <a:bodyPr lIns="91080" rIns="91080" anchor="ctr"/>
-          <a:p>
             <a:endParaRPr/>
           </a:p>
         </p:txBody>
@@ -4372,623 +3063,6 @@
     <p:sldLayoutId id="2147483671" r:id="rId15"/>
     <p:sldLayoutId id="2147483672" r:id="rId16"/>
     <p:sldLayoutId id="2147483673" r:id="rId17"/>
-  </p:sldLayoutIdLst>
-</p:sldMaster>
-</file>
-
-<file path=ppt/slideMasters/slideMaster3.xml><?xml version="1.0" encoding="utf-8"?>
-<p:sldMaster xmlns:a="http://schemas.openxmlformats.org/drawingml/2006/main" xmlns:p="http://schemas.openxmlformats.org/presentationml/2006/main" xmlns:r="http://schemas.openxmlformats.org/officeDocument/2006/relationships">
-  <p:cSld>
-    <p:bg>
-      <p:bgPr>
-        <a:solidFill>
-          <a:srgbClr val="ffffff"/>
-        </a:solidFill>
-      </p:bgPr>
-    </p:bg>
-    <p:spTree>
-      <p:nvGrpSpPr>
-        <p:cNvPr id="1" name=""/>
-        <p:cNvGrpSpPr/>
-        <p:nvPr/>
-      </p:nvGrpSpPr>
-      <p:grpSpPr>
-        <a:xfrm>
-          <a:off x="0" y="0"/>
-          <a:ext cx="0" cy="0"/>
-          <a:chOff x="0" y="0"/>
-          <a:chExt cx="0" cy="0"/>
-        </a:xfrm>
-      </p:grpSpPr>
-      <p:pic>
-        <p:nvPicPr>
-          <p:cNvPr id="87" name="Picture 2" descr=""/>
-          <p:cNvPicPr/>
-          <p:nvPr/>
-        </p:nvPicPr>
-        <p:blipFill>
-          <a:blip r:embed="rId2"/>
-          <a:stretch>
-            <a:fillRect/>
-          </a:stretch>
-        </p:blipFill>
-        <p:spPr>
-          <a:xfrm>
-            <a:off x="0" y="6324480"/>
-            <a:ext cx="9145080" cy="533160"/>
-          </a:xfrm>
-          <a:prstGeom prst="rect">
-            <a:avLst/>
-          </a:prstGeom>
-          <a:ln>
-            <a:noFill/>
-          </a:ln>
-        </p:spPr>
-      </p:pic>
-      <p:pic>
-        <p:nvPicPr>
-          <p:cNvPr id="88" name="Picture 7" descr=""/>
-          <p:cNvPicPr/>
-          <p:nvPr/>
-        </p:nvPicPr>
-        <p:blipFill>
-          <a:blip r:embed="rId3"/>
-          <a:stretch>
-            <a:fillRect/>
-          </a:stretch>
-        </p:blipFill>
-        <p:spPr>
-          <a:xfrm>
-            <a:off x="152280" y="6375240"/>
-            <a:ext cx="1371240" cy="398160"/>
-          </a:xfrm>
-          <a:prstGeom prst="rect">
-            <a:avLst/>
-          </a:prstGeom>
-          <a:ln>
-            <a:noFill/>
-          </a:ln>
-        </p:spPr>
-      </p:pic>
-      <p:pic>
-        <p:nvPicPr>
-          <p:cNvPr id="89" name="Picture 8" descr=""/>
-          <p:cNvPicPr/>
-          <p:nvPr/>
-        </p:nvPicPr>
-        <p:blipFill>
-          <a:blip r:embed="rId4"/>
-          <a:stretch>
-            <a:fillRect/>
-          </a:stretch>
-        </p:blipFill>
-        <p:spPr>
-          <a:xfrm>
-            <a:off x="4343400" y="6353280"/>
-            <a:ext cx="533160" cy="504360"/>
-          </a:xfrm>
-          <a:prstGeom prst="rect">
-            <a:avLst/>
-          </a:prstGeom>
-          <a:ln>
-            <a:noFill/>
-          </a:ln>
-        </p:spPr>
-      </p:pic>
-      <p:pic>
-        <p:nvPicPr>
-          <p:cNvPr id="90" name="Picture 2" descr=""/>
-          <p:cNvPicPr/>
-          <p:nvPr/>
-        </p:nvPicPr>
-        <p:blipFill>
-          <a:blip r:embed="rId5"/>
-          <a:stretch>
-            <a:fillRect/>
-          </a:stretch>
-        </p:blipFill>
-        <p:spPr>
-          <a:xfrm>
-            <a:off x="7581600" y="6374520"/>
-            <a:ext cx="1398960" cy="431640"/>
-          </a:xfrm>
-          <a:prstGeom prst="rect">
-            <a:avLst/>
-          </a:prstGeom>
-          <a:ln>
-            <a:noFill/>
-          </a:ln>
-        </p:spPr>
-      </p:pic>
-      <p:sp>
-        <p:nvSpPr>
-          <p:cNvPr id="91" name="PlaceHolder 1"/>
-          <p:cNvSpPr>
-            <a:spLocks noGrp="1"/>
-          </p:cNvSpPr>
-          <p:nvPr>
-            <p:ph type="title"/>
-          </p:nvPr>
-        </p:nvSpPr>
-        <p:spPr>
-          <a:xfrm>
-            <a:off x="457200" y="272880"/>
-            <a:ext cx="3007800" cy="1161720"/>
-          </a:xfrm>
-          <a:prstGeom prst="rect">
-            <a:avLst/>
-          </a:prstGeom>
-        </p:spPr>
-        <p:txBody>
-          <a:bodyPr lIns="91080" rIns="91080" anchor="b"/>
-          <a:p>
-            <a:pPr>
-              <a:lnSpc>
-                <a:spcPct val="100000"/>
-              </a:lnSpc>
-            </a:pPr>
-            <a:r>
-              <a:rPr b="1" lang="en-US" sz="2000">
-                <a:solidFill>
-                  <a:srgbClr val="000000"/>
-                </a:solidFill>
-                <a:latin typeface="Arial"/>
-                <a:ea typeface="ＭＳ Ｐゴシック"/>
-              </a:rPr>
-              <a:t>Click to edit the title text formatClick to edit Master title style</a:t>
-            </a:r>
-            <a:endParaRPr/>
-          </a:p>
-        </p:txBody>
-      </p:sp>
-      <p:sp>
-        <p:nvSpPr>
-          <p:cNvPr id="92" name="PlaceHolder 2"/>
-          <p:cNvSpPr>
-            <a:spLocks noGrp="1"/>
-          </p:cNvSpPr>
-          <p:nvPr>
-            <p:ph type="body"/>
-          </p:nvPr>
-        </p:nvSpPr>
-        <p:spPr>
-          <a:xfrm>
-            <a:off x="3575160" y="273240"/>
-            <a:ext cx="5111280" cy="5852880"/>
-          </a:xfrm>
-          <a:prstGeom prst="rect">
-            <a:avLst/>
-          </a:prstGeom>
-        </p:spPr>
-        <p:txBody>
-          <a:bodyPr lIns="91080" rIns="91080"/>
-          <a:p>
-            <a:pPr>
-              <a:buSzPct val="45000"/>
-              <a:buFont typeface="StarSymbol"/>
-              <a:buChar char=""/>
-            </a:pPr>
-            <a:r>
-              <a:rPr lang="en-US" sz="3200">
-                <a:solidFill>
-                  <a:srgbClr val="000000"/>
-                </a:solidFill>
-                <a:latin typeface="Arial"/>
-                <a:ea typeface="ＭＳ Ｐゴシック"/>
-              </a:rPr>
-              <a:t>Click to edit the outline text format</a:t>
-            </a:r>
-            <a:endParaRPr/>
-          </a:p>
-          <a:p>
-            <a:pPr lvl="1">
-              <a:buSzPct val="75000"/>
-              <a:buFont typeface="StarSymbol"/>
-              <a:buChar char=""/>
-            </a:pPr>
-            <a:r>
-              <a:rPr lang="en-US" sz="3200">
-                <a:solidFill>
-                  <a:srgbClr val="000000"/>
-                </a:solidFill>
-                <a:latin typeface="Arial"/>
-                <a:ea typeface="ＭＳ Ｐゴシック"/>
-              </a:rPr>
-              <a:t>Second Outline Level</a:t>
-            </a:r>
-            <a:endParaRPr/>
-          </a:p>
-          <a:p>
-            <a:pPr lvl="2">
-              <a:buSzPct val="45000"/>
-              <a:buFont typeface="StarSymbol"/>
-              <a:buChar char=""/>
-            </a:pPr>
-            <a:r>
-              <a:rPr lang="en-US" sz="3200">
-                <a:solidFill>
-                  <a:srgbClr val="000000"/>
-                </a:solidFill>
-                <a:latin typeface="Arial"/>
-                <a:ea typeface="ＭＳ Ｐゴシック"/>
-              </a:rPr>
-              <a:t>Third Outline Level</a:t>
-            </a:r>
-            <a:endParaRPr/>
-          </a:p>
-          <a:p>
-            <a:pPr lvl="3">
-              <a:buSzPct val="75000"/>
-              <a:buFont typeface="StarSymbol"/>
-              <a:buChar char=""/>
-            </a:pPr>
-            <a:r>
-              <a:rPr lang="en-US" sz="3200">
-                <a:solidFill>
-                  <a:srgbClr val="000000"/>
-                </a:solidFill>
-                <a:latin typeface="Arial"/>
-                <a:ea typeface="ＭＳ Ｐゴシック"/>
-              </a:rPr>
-              <a:t>Fourth Outline Level</a:t>
-            </a:r>
-            <a:endParaRPr/>
-          </a:p>
-          <a:p>
-            <a:pPr lvl="4">
-              <a:buSzPct val="45000"/>
-              <a:buFont typeface="StarSymbol"/>
-              <a:buChar char=""/>
-            </a:pPr>
-            <a:r>
-              <a:rPr lang="en-US" sz="3200">
-                <a:solidFill>
-                  <a:srgbClr val="000000"/>
-                </a:solidFill>
-                <a:latin typeface="Arial"/>
-                <a:ea typeface="ＭＳ Ｐゴシック"/>
-              </a:rPr>
-              <a:t>Fifth Outline Level</a:t>
-            </a:r>
-            <a:endParaRPr/>
-          </a:p>
-          <a:p>
-            <a:pPr lvl="5">
-              <a:buSzPct val="45000"/>
-              <a:buFont typeface="StarSymbol"/>
-              <a:buChar char=""/>
-            </a:pPr>
-            <a:r>
-              <a:rPr lang="en-US" sz="3200">
-                <a:solidFill>
-                  <a:srgbClr val="000000"/>
-                </a:solidFill>
-                <a:latin typeface="Arial"/>
-                <a:ea typeface="ＭＳ Ｐゴシック"/>
-              </a:rPr>
-              <a:t>Sixth Outline Level</a:t>
-            </a:r>
-            <a:endParaRPr/>
-          </a:p>
-          <a:p>
-            <a:pPr>
-              <a:lnSpc>
-                <a:spcPct val="100000"/>
-              </a:lnSpc>
-              <a:buFont typeface="Times"/>
-              <a:buChar char="•"/>
-            </a:pPr>
-            <a:r>
-              <a:rPr lang="en-US" sz="3200">
-                <a:solidFill>
-                  <a:srgbClr val="000000"/>
-                </a:solidFill>
-                <a:latin typeface="Arial"/>
-                <a:ea typeface="ＭＳ Ｐゴシック"/>
-              </a:rPr>
-              <a:t>Seventh Outline LevelClick to edit Master text styles</a:t>
-            </a:r>
-            <a:endParaRPr/>
-          </a:p>
-          <a:p>
-            <a:pPr lvl="1">
-              <a:lnSpc>
-                <a:spcPct val="100000"/>
-              </a:lnSpc>
-              <a:buFont typeface="Times"/>
-              <a:buChar char="•"/>
-            </a:pPr>
-            <a:r>
-              <a:rPr lang="en-US" sz="2800">
-                <a:solidFill>
-                  <a:srgbClr val="000000"/>
-                </a:solidFill>
-                <a:latin typeface="Arial"/>
-                <a:ea typeface="ＭＳ Ｐゴシック"/>
-              </a:rPr>
-              <a:t>Second level</a:t>
-            </a:r>
-            <a:endParaRPr/>
-          </a:p>
-          <a:p>
-            <a:pPr lvl="2">
-              <a:lnSpc>
-                <a:spcPct val="100000"/>
-              </a:lnSpc>
-              <a:buFont typeface="Times"/>
-              <a:buChar char="•"/>
-            </a:pPr>
-            <a:r>
-              <a:rPr lang="en-US" sz="2400">
-                <a:solidFill>
-                  <a:srgbClr val="000000"/>
-                </a:solidFill>
-                <a:latin typeface="Arial"/>
-                <a:ea typeface="ＭＳ Ｐゴシック"/>
-              </a:rPr>
-              <a:t>Third level</a:t>
-            </a:r>
-            <a:endParaRPr/>
-          </a:p>
-          <a:p>
-            <a:pPr lvl="3">
-              <a:lnSpc>
-                <a:spcPct val="100000"/>
-              </a:lnSpc>
-              <a:buFont typeface="Times"/>
-              <a:buChar char="•"/>
-            </a:pPr>
-            <a:r>
-              <a:rPr lang="en-US" sz="2000">
-                <a:solidFill>
-                  <a:srgbClr val="000000"/>
-                </a:solidFill>
-                <a:latin typeface="Arial"/>
-                <a:ea typeface="ＭＳ Ｐゴシック"/>
-              </a:rPr>
-              <a:t>Fourth level</a:t>
-            </a:r>
-            <a:endParaRPr/>
-          </a:p>
-          <a:p>
-            <a:pPr lvl="4">
-              <a:lnSpc>
-                <a:spcPct val="100000"/>
-              </a:lnSpc>
-              <a:buFont typeface="Times"/>
-              <a:buChar char="•"/>
-            </a:pPr>
-            <a:r>
-              <a:rPr lang="en-US" sz="2000">
-                <a:solidFill>
-                  <a:srgbClr val="000000"/>
-                </a:solidFill>
-                <a:latin typeface="Arial"/>
-                <a:ea typeface="ＭＳ Ｐゴシック"/>
-              </a:rPr>
-              <a:t>Fifth level</a:t>
-            </a:r>
-            <a:endParaRPr/>
-          </a:p>
-        </p:txBody>
-      </p:sp>
-      <p:sp>
-        <p:nvSpPr>
-          <p:cNvPr id="93" name="PlaceHolder 3"/>
-          <p:cNvSpPr>
-            <a:spLocks noGrp="1"/>
-          </p:cNvSpPr>
-          <p:nvPr>
-            <p:ph type="body"/>
-          </p:nvPr>
-        </p:nvSpPr>
-        <p:spPr>
-          <a:xfrm>
-            <a:off x="457200" y="1434960"/>
-            <a:ext cx="3007800" cy="4690800"/>
-          </a:xfrm>
-          <a:prstGeom prst="rect">
-            <a:avLst/>
-          </a:prstGeom>
-        </p:spPr>
-        <p:txBody>
-          <a:bodyPr lIns="91080" rIns="91080" anchor="ctr"/>
-          <a:p>
-            <a:pPr>
-              <a:buSzPct val="45000"/>
-              <a:buFont typeface="StarSymbol"/>
-              <a:buChar char=""/>
-            </a:pPr>
-            <a:r>
-              <a:rPr lang="en-US" sz="1400">
-                <a:solidFill>
-                  <a:srgbClr val="ffffff"/>
-                </a:solidFill>
-                <a:latin typeface="Arial"/>
-                <a:ea typeface="ＭＳ Ｐゴシック"/>
-              </a:rPr>
-              <a:t>Click to edit the outline text format</a:t>
-            </a:r>
-            <a:endParaRPr/>
-          </a:p>
-          <a:p>
-            <a:pPr lvl="1">
-              <a:buSzPct val="75000"/>
-              <a:buFont typeface="StarSymbol"/>
-              <a:buChar char=""/>
-            </a:pPr>
-            <a:r>
-              <a:rPr lang="en-US" sz="1400">
-                <a:solidFill>
-                  <a:srgbClr val="ffffff"/>
-                </a:solidFill>
-                <a:latin typeface="Arial"/>
-                <a:ea typeface="ＭＳ Ｐゴシック"/>
-              </a:rPr>
-              <a:t>Second Outline Level</a:t>
-            </a:r>
-            <a:endParaRPr/>
-          </a:p>
-          <a:p>
-            <a:pPr lvl="2">
-              <a:buSzPct val="45000"/>
-              <a:buFont typeface="StarSymbol"/>
-              <a:buChar char=""/>
-            </a:pPr>
-            <a:r>
-              <a:rPr lang="en-US" sz="1400">
-                <a:solidFill>
-                  <a:srgbClr val="ffffff"/>
-                </a:solidFill>
-                <a:latin typeface="Arial"/>
-                <a:ea typeface="ＭＳ Ｐゴシック"/>
-              </a:rPr>
-              <a:t>Third Outline Level</a:t>
-            </a:r>
-            <a:endParaRPr/>
-          </a:p>
-          <a:p>
-            <a:pPr lvl="3">
-              <a:buSzPct val="75000"/>
-              <a:buFont typeface="StarSymbol"/>
-              <a:buChar char=""/>
-            </a:pPr>
-            <a:r>
-              <a:rPr lang="en-US" sz="1400">
-                <a:solidFill>
-                  <a:srgbClr val="ffffff"/>
-                </a:solidFill>
-                <a:latin typeface="Arial"/>
-                <a:ea typeface="ＭＳ Ｐゴシック"/>
-              </a:rPr>
-              <a:t>Fourth Outline Level</a:t>
-            </a:r>
-            <a:endParaRPr/>
-          </a:p>
-          <a:p>
-            <a:pPr lvl="4">
-              <a:buSzPct val="45000"/>
-              <a:buFont typeface="StarSymbol"/>
-              <a:buChar char=""/>
-            </a:pPr>
-            <a:r>
-              <a:rPr lang="en-US" sz="1400">
-                <a:solidFill>
-                  <a:srgbClr val="ffffff"/>
-                </a:solidFill>
-                <a:latin typeface="Arial"/>
-                <a:ea typeface="ＭＳ Ｐゴシック"/>
-              </a:rPr>
-              <a:t>Fifth Outline Level</a:t>
-            </a:r>
-            <a:endParaRPr/>
-          </a:p>
-          <a:p>
-            <a:pPr lvl="5">
-              <a:buSzPct val="45000"/>
-              <a:buFont typeface="StarSymbol"/>
-              <a:buChar char=""/>
-            </a:pPr>
-            <a:r>
-              <a:rPr lang="en-US" sz="1400">
-                <a:solidFill>
-                  <a:srgbClr val="ffffff"/>
-                </a:solidFill>
-                <a:latin typeface="Arial"/>
-                <a:ea typeface="ＭＳ Ｐゴシック"/>
-              </a:rPr>
-              <a:t>Sixth Outline Level</a:t>
-            </a:r>
-            <a:endParaRPr/>
-          </a:p>
-          <a:p>
-            <a:pPr>
-              <a:lnSpc>
-                <a:spcPct val="100000"/>
-              </a:lnSpc>
-            </a:pPr>
-            <a:r>
-              <a:rPr lang="en-US" sz="1400">
-                <a:solidFill>
-                  <a:srgbClr val="ffffff"/>
-                </a:solidFill>
-                <a:latin typeface="Arial"/>
-                <a:ea typeface="ＭＳ Ｐゴシック"/>
-              </a:rPr>
-              <a:t>Seventh Outline LevelClick to edit Master text styles</a:t>
-            </a:r>
-            <a:endParaRPr/>
-          </a:p>
-        </p:txBody>
-      </p:sp>
-      <p:sp>
-        <p:nvSpPr>
-          <p:cNvPr id="94" name="PlaceHolder 4"/>
-          <p:cNvSpPr>
-            <a:spLocks noGrp="1"/>
-          </p:cNvSpPr>
-          <p:nvPr>
-            <p:ph type="dt"/>
-          </p:nvPr>
-        </p:nvSpPr>
-        <p:spPr>
-          <a:xfrm>
-            <a:off x="2209680" y="6400800"/>
-            <a:ext cx="1142640" cy="380520"/>
-          </a:xfrm>
-          <a:prstGeom prst="rect">
-            <a:avLst/>
-          </a:prstGeom>
-        </p:spPr>
-        <p:txBody>
-          <a:bodyPr lIns="91080" rIns="91080" anchor="ctr"/>
-          <a:p>
-            <a:endParaRPr/>
-          </a:p>
-        </p:txBody>
-      </p:sp>
-      <p:sp>
-        <p:nvSpPr>
-          <p:cNvPr id="95" name="PlaceHolder 5"/>
-          <p:cNvSpPr>
-            <a:spLocks noGrp="1"/>
-          </p:cNvSpPr>
-          <p:nvPr>
-            <p:ph type="ftr"/>
-          </p:nvPr>
-        </p:nvSpPr>
-        <p:spPr>
-          <a:xfrm>
-            <a:off x="6019920" y="6400800"/>
-            <a:ext cx="1294920" cy="380520"/>
-          </a:xfrm>
-          <a:prstGeom prst="rect">
-            <a:avLst/>
-          </a:prstGeom>
-        </p:spPr>
-        <p:txBody>
-          <a:bodyPr lIns="91080" rIns="91080" anchor="ctr"/>
-          <a:p>
-            <a:endParaRPr/>
-          </a:p>
-        </p:txBody>
-      </p:sp>
-    </p:spTree>
-  </p:cSld>
-  <p:clrMap bg1="lt1" bg2="lt2" tx1="dk1" tx2="dk2" accent1="accent1" accent2="accent2" accent3="accent3" accent4="accent4" accent5="accent5" accent6="accent6" hlink="hlink" folHlink="folHlink"/>
-  <p:sldLayoutIdLst>
-    <p:sldLayoutId id="2147483675" r:id="rId6"/>
-    <p:sldLayoutId id="2147483676" r:id="rId7"/>
-    <p:sldLayoutId id="2147483677" r:id="rId8"/>
-    <p:sldLayoutId id="2147483678" r:id="rId9"/>
-    <p:sldLayoutId id="2147483679" r:id="rId10"/>
-    <p:sldLayoutId id="2147483680" r:id="rId11"/>
-    <p:sldLayoutId id="2147483681" r:id="rId12"/>
-    <p:sldLayoutId id="2147483682" r:id="rId13"/>
-    <p:sldLayoutId id="2147483683" r:id="rId14"/>
-    <p:sldLayoutId id="2147483684" r:id="rId15"/>
-    <p:sldLayoutId id="2147483685" r:id="rId16"/>
-    <p:sldLayoutId id="2147483686" r:id="rId17"/>
   </p:sldLayoutIdLst>
 </p:sldMaster>
 </file>
@@ -5012,21 +3086,25 @@
       </p:grpSpPr>
       <p:sp>
         <p:nvSpPr>
-          <p:cNvPr id="130" name="TextShape 1"/>
-          <p:cNvSpPr txBox="1"/>
+          <p:cNvPr id="85" name="CustomShape 1"/>
+          <p:cNvSpPr/>
           <p:nvPr/>
         </p:nvSpPr>
         <p:spPr>
           <a:xfrm>
             <a:off x="3505320" y="504720"/>
-            <a:ext cx="5257440" cy="1904760"/>
-          </a:xfrm>
-          <a:prstGeom prst="rect">
-            <a:avLst/>
-          </a:prstGeom>
-        </p:spPr>
-        <p:txBody>
-          <a:bodyPr lIns="91080" rIns="91080"/>
+            <a:ext cx="5257080" cy="1904400"/>
+          </a:xfrm>
+          <a:prstGeom prst="rect">
+            <a:avLst/>
+          </a:prstGeom>
+          <a:noFill/>
+          <a:ln>
+            <a:noFill/>
+          </a:ln>
+        </p:spPr>
+        <p:txBody>
+          <a:bodyPr lIns="91080" rIns="91080" tIns="45000" bIns="45000"/>
           <a:p>
             <a:pPr>
               <a:lnSpc>
@@ -5034,7 +3112,7 @@
               </a:lnSpc>
             </a:pPr>
             <a:r>
-              <a:rPr lang="en-US" sz="3600">
+              <a:rPr lang="en-GB" sz="3600">
                 <a:solidFill>
                   <a:srgbClr val="000000"/>
                 </a:solidFill>
@@ -5049,21 +3127,25 @@
       </p:sp>
       <p:sp>
         <p:nvSpPr>
-          <p:cNvPr id="131" name="TextShape 2"/>
-          <p:cNvSpPr txBox="1"/>
+          <p:cNvPr id="86" name="CustomShape 2"/>
+          <p:cNvSpPr/>
           <p:nvPr/>
         </p:nvSpPr>
         <p:spPr>
           <a:xfrm>
             <a:off x="3505320" y="2409840"/>
-            <a:ext cx="5257440" cy="1752120"/>
-          </a:xfrm>
-          <a:prstGeom prst="rect">
-            <a:avLst/>
-          </a:prstGeom>
-        </p:spPr>
-        <p:txBody>
-          <a:bodyPr lIns="91080" rIns="91080"/>
+            <a:ext cx="5257080" cy="1751760"/>
+          </a:xfrm>
+          <a:prstGeom prst="rect">
+            <a:avLst/>
+          </a:prstGeom>
+          <a:noFill/>
+          <a:ln>
+            <a:noFill/>
+          </a:ln>
+        </p:spPr>
+        <p:txBody>
+          <a:bodyPr lIns="91080" rIns="91080" tIns="45000" bIns="45000"/>
           <a:p>
             <a:pPr>
               <a:lnSpc>
@@ -5135,21 +3217,25 @@
       </p:grpSpPr>
       <p:sp>
         <p:nvSpPr>
-          <p:cNvPr id="132" name="TextShape 1"/>
-          <p:cNvSpPr txBox="1"/>
+          <p:cNvPr id="87" name="CustomShape 1"/>
+          <p:cNvSpPr/>
           <p:nvPr/>
         </p:nvSpPr>
         <p:spPr>
           <a:xfrm>
             <a:off x="685800" y="533520"/>
-            <a:ext cx="7772040" cy="914040"/>
-          </a:xfrm>
-          <a:prstGeom prst="rect">
-            <a:avLst/>
-          </a:prstGeom>
-        </p:spPr>
-        <p:txBody>
-          <a:bodyPr lIns="91080" rIns="91080"/>
+            <a:ext cx="7771680" cy="913680"/>
+          </a:xfrm>
+          <a:prstGeom prst="rect">
+            <a:avLst/>
+          </a:prstGeom>
+          <a:noFill/>
+          <a:ln>
+            <a:noFill/>
+          </a:ln>
+        </p:spPr>
+        <p:txBody>
+          <a:bodyPr lIns="91080" rIns="91080" tIns="45000" bIns="45000"/>
           <a:p>
             <a:pPr>
               <a:lnSpc>
@@ -5157,7 +3243,7 @@
               </a:lnSpc>
             </a:pPr>
             <a:r>
-              <a:rPr lang="en-US" sz="3600">
+              <a:rPr lang="en-GB" sz="3600">
                 <a:solidFill>
                   <a:srgbClr val="000000"/>
                 </a:solidFill>
@@ -5172,21 +3258,25 @@
       </p:sp>
       <p:sp>
         <p:nvSpPr>
-          <p:cNvPr id="133" name="TextShape 2"/>
-          <p:cNvSpPr txBox="1"/>
+          <p:cNvPr id="88" name="CustomShape 2"/>
+          <p:cNvSpPr/>
           <p:nvPr/>
         </p:nvSpPr>
         <p:spPr>
           <a:xfrm>
             <a:off x="685800" y="1600200"/>
-            <a:ext cx="7772040" cy="2311200"/>
-          </a:xfrm>
-          <a:prstGeom prst="rect">
-            <a:avLst/>
-          </a:prstGeom>
-        </p:spPr>
-        <p:txBody>
-          <a:bodyPr lIns="91080" rIns="91080"/>
+            <a:ext cx="7771680" cy="2310840"/>
+          </a:xfrm>
+          <a:prstGeom prst="rect">
+            <a:avLst/>
+          </a:prstGeom>
+          <a:noFill/>
+          <a:ln>
+            <a:noFill/>
+          </a:ln>
+        </p:spPr>
+        <p:txBody>
+          <a:bodyPr lIns="91080" rIns="91080" tIns="45000" bIns="45000"/>
           <a:p>
             <a:pPr>
               <a:lnSpc>
@@ -5196,7 +3286,7 @@
               <a:buChar char="•"/>
             </a:pPr>
             <a:r>
-              <a:rPr lang="en-US" sz="1900">
+              <a:rPr lang="en-GB" sz="1900">
                 <a:solidFill>
                   <a:srgbClr val="000000"/>
                 </a:solidFill>
@@ -5216,7 +3306,7 @@
               <a:buChar char="•"/>
             </a:pPr>
             <a:r>
-              <a:rPr lang="en-US" sz="1900">
+              <a:rPr lang="en-GB" sz="1900">
                 <a:solidFill>
                   <a:srgbClr val="000000"/>
                 </a:solidFill>
@@ -5231,7 +3321,7 @@
       </p:sp>
       <p:pic>
         <p:nvPicPr>
-          <p:cNvPr id="134" name="Picture 4" descr=""/>
+          <p:cNvPr id="89" name="Picture 4" descr=""/>
           <p:cNvPicPr/>
           <p:nvPr/>
         </p:nvPicPr>
@@ -5244,7 +3334,7 @@
         <p:spPr>
           <a:xfrm>
             <a:off x="4657680" y="3287880"/>
-            <a:ext cx="4485960" cy="2655360"/>
+            <a:ext cx="4485600" cy="2655000"/>
           </a:xfrm>
           <a:prstGeom prst="rect">
             <a:avLst/>
@@ -5256,14 +3346,14 @@
       </p:pic>
       <p:sp>
         <p:nvSpPr>
-          <p:cNvPr id="135" name="CustomShape 3"/>
+          <p:cNvPr id="90" name="CustomShape 3"/>
           <p:cNvSpPr/>
           <p:nvPr/>
         </p:nvSpPr>
         <p:spPr>
           <a:xfrm>
             <a:off x="685800" y="3751200"/>
-            <a:ext cx="3971520" cy="1576080"/>
+            <a:ext cx="3971160" cy="1575720"/>
           </a:xfrm>
           <a:prstGeom prst="rect">
             <a:avLst/>
@@ -5274,7 +3364,7 @@
           </a:ln>
         </p:spPr>
         <p:txBody>
-          <a:bodyPr lIns="91080" rIns="91080"/>
+          <a:bodyPr lIns="91080" rIns="91080" tIns="45000" bIns="45000"/>
           <a:p>
             <a:pPr>
               <a:lnSpc>
@@ -5299,14 +3389,14 @@
       </p:sp>
       <p:sp>
         <p:nvSpPr>
-          <p:cNvPr id="136" name="CustomShape 4"/>
+          <p:cNvPr id="91" name="CustomShape 4"/>
           <p:cNvSpPr/>
           <p:nvPr/>
         </p:nvSpPr>
         <p:spPr>
           <a:xfrm>
             <a:off x="685800" y="6062760"/>
-            <a:ext cx="7772040" cy="257760"/>
+            <a:ext cx="7771680" cy="257400"/>
           </a:xfrm>
           <a:prstGeom prst="rect">
             <a:avLst/>
@@ -5389,21 +3479,25 @@
       </p:grpSpPr>
       <p:sp>
         <p:nvSpPr>
-          <p:cNvPr id="137" name="TextShape 1"/>
-          <p:cNvSpPr txBox="1"/>
+          <p:cNvPr id="92" name="CustomShape 1"/>
+          <p:cNvSpPr/>
           <p:nvPr/>
         </p:nvSpPr>
         <p:spPr>
           <a:xfrm>
             <a:off x="685800" y="533520"/>
-            <a:ext cx="7772040" cy="914040"/>
-          </a:xfrm>
-          <a:prstGeom prst="rect">
-            <a:avLst/>
-          </a:prstGeom>
-        </p:spPr>
-        <p:txBody>
-          <a:bodyPr lIns="91080" rIns="91080"/>
+            <a:ext cx="7771680" cy="913680"/>
+          </a:xfrm>
+          <a:prstGeom prst="rect">
+            <a:avLst/>
+          </a:prstGeom>
+          <a:noFill/>
+          <a:ln>
+            <a:noFill/>
+          </a:ln>
+        </p:spPr>
+        <p:txBody>
+          <a:bodyPr lIns="91080" rIns="91080" tIns="45000" bIns="45000"/>
           <a:p>
             <a:pPr>
               <a:lnSpc>
@@ -5411,7 +3505,7 @@
               </a:lnSpc>
             </a:pPr>
             <a:r>
-              <a:rPr lang="en-US" sz="3600">
+              <a:rPr lang="en-GB" sz="3600">
                 <a:solidFill>
                   <a:srgbClr val="000000"/>
                 </a:solidFill>
@@ -5426,21 +3520,25 @@
       </p:sp>
       <p:sp>
         <p:nvSpPr>
-          <p:cNvPr id="138" name="TextShape 2"/>
-          <p:cNvSpPr txBox="1"/>
+          <p:cNvPr id="93" name="CustomShape 2"/>
+          <p:cNvSpPr/>
           <p:nvPr/>
         </p:nvSpPr>
         <p:spPr>
           <a:xfrm>
             <a:off x="685800" y="1600200"/>
-            <a:ext cx="7772040" cy="4343040"/>
-          </a:xfrm>
-          <a:prstGeom prst="rect">
-            <a:avLst/>
-          </a:prstGeom>
-        </p:spPr>
-        <p:txBody>
-          <a:bodyPr lIns="91080" rIns="91080"/>
+            <a:ext cx="7771680" cy="4342680"/>
+          </a:xfrm>
+          <a:prstGeom prst="rect">
+            <a:avLst/>
+          </a:prstGeom>
+          <a:noFill/>
+          <a:ln>
+            <a:noFill/>
+          </a:ln>
+        </p:spPr>
+        <p:txBody>
+          <a:bodyPr lIns="91080" rIns="91080" tIns="45000" bIns="45000"/>
           <a:p>
             <a:pPr>
               <a:lnSpc>
@@ -5450,7 +3548,7 @@
               <a:buChar char="•"/>
             </a:pPr>
             <a:r>
-              <a:rPr lang="en-US" sz="2200">
+              <a:rPr lang="en-GB" sz="2200">
                 <a:solidFill>
                   <a:srgbClr val="000000"/>
                 </a:solidFill>
@@ -5470,7 +3568,7 @@
               <a:buChar char="•"/>
             </a:pPr>
             <a:r>
-              <a:rPr b="1" lang="en-US" sz="2000">
+              <a:rPr b="1" lang="en-GB" sz="2000">
                 <a:solidFill>
                   <a:srgbClr val="000000"/>
                 </a:solidFill>
@@ -5490,7 +3588,7 @@
               <a:buChar char="•"/>
             </a:pPr>
             <a:r>
-              <a:rPr lang="en-US">
+              <a:rPr lang="en-GB" sz="2000">
                 <a:solidFill>
                   <a:srgbClr val="000000"/>
                 </a:solidFill>
@@ -5510,7 +3608,7 @@
               <a:buChar char="•"/>
             </a:pPr>
             <a:r>
-              <a:rPr lang="en-US">
+              <a:rPr lang="en-GB" sz="2000">
                 <a:solidFill>
                   <a:srgbClr val="000000"/>
                 </a:solidFill>
@@ -5530,7 +3628,7 @@
               <a:buChar char="•"/>
             </a:pPr>
             <a:r>
-              <a:rPr b="1" lang="en-US" sz="2000">
+              <a:rPr b="1" lang="en-GB" sz="2000">
                 <a:solidFill>
                   <a:srgbClr val="000000"/>
                 </a:solidFill>
@@ -5550,7 +3648,7 @@
               <a:buChar char="•"/>
             </a:pPr>
             <a:r>
-              <a:rPr lang="en-US">
+              <a:rPr lang="en-GB" sz="2000">
                 <a:solidFill>
                   <a:srgbClr val="000000"/>
                 </a:solidFill>
@@ -5570,7 +3668,7 @@
               <a:buChar char="•"/>
             </a:pPr>
             <a:r>
-              <a:rPr lang="en-US">
+              <a:rPr lang="en-GB" sz="2000">
                 <a:solidFill>
                   <a:srgbClr val="000000"/>
                 </a:solidFill>
@@ -5582,7 +3680,7 @@
             <a:endParaRPr/>
           </a:p>
           <a:p>
-            <a:pPr lvl="1">
+            <a:pPr lvl="2">
               <a:lnSpc>
                 <a:spcPct val="100000"/>
               </a:lnSpc>
@@ -5590,7 +3688,7 @@
               <a:buChar char="•"/>
             </a:pPr>
             <a:r>
-              <a:rPr lang="en-US" sz="2000">
+              <a:rPr lang="en-GB" sz="2000">
                 <a:solidFill>
                   <a:srgbClr val="000000"/>
                 </a:solidFill>
@@ -5599,17 +3697,16 @@
               </a:rPr>
               <a:t>Other microarray vendors: Agilent, Codelink and Phalanx  </a:t>
             </a:r>
-            <a:r>
-              <a:rPr lang="en-US" sz="2000">
-                <a:solidFill>
-                  <a:srgbClr val="000000"/>
-                </a:solidFill>
-                <a:latin typeface="Arial"/>
-                <a:ea typeface="ＭＳ Ｐゴシック"/>
-              </a:rPr>
-              <a:t>
-</a:t>
-            </a:r>
+            <a:endParaRPr/>
+          </a:p>
+          <a:p>
+            <a:pPr lvl="1">
+              <a:lnSpc>
+                <a:spcPct val="100000"/>
+              </a:lnSpc>
+              <a:buFont typeface="Times"/>
+              <a:buChar char="•"/>
+            </a:pPr>
             <a:endParaRPr/>
           </a:p>
         </p:txBody>
@@ -5623,215 +3720,6 @@
           <p:childTnLst>
             <p:seq>
               <p:cTn id="6" nodeType="mainSeq"/>
-              <p:prevCondLst>
-                <p:cond delay="0" evt="onPrev">
-                  <p:tgtEl>
-                    <p:sldTgt/>
-                  </p:tgtEl>
-                </p:cond>
-              </p:prevCondLst>
-              <p:nextCondLst>
-                <p:cond delay="0" evt="onNext">
-                  <p:tgtEl>
-                    <p:sldTgt/>
-                  </p:tgtEl>
-                </p:cond>
-              </p:nextCondLst>
-            </p:seq>
-          </p:childTnLst>
-        </p:cTn>
-      </p:par>
-    </p:tnLst>
-  </p:timing>
-</p:sld>
-</file>
-
-<file path=ppt/slides/slide4.xml><?xml version="1.0" encoding="utf-8"?>
-<p:sld xmlns:a="http://schemas.openxmlformats.org/drawingml/2006/main" xmlns:p="http://schemas.openxmlformats.org/presentationml/2006/main" xmlns:r="http://schemas.openxmlformats.org/officeDocument/2006/relationships">
-  <p:cSld>
-    <p:spTree>
-      <p:nvGrpSpPr>
-        <p:cNvPr id="1" name=""/>
-        <p:cNvGrpSpPr/>
-        <p:nvPr/>
-      </p:nvGrpSpPr>
-      <p:grpSpPr>
-        <a:xfrm>
-          <a:off x="0" y="0"/>
-          <a:ext cx="0" cy="0"/>
-          <a:chOff x="0" y="0"/>
-          <a:chExt cx="0" cy="0"/>
-        </a:xfrm>
-      </p:grpSpPr>
-      <p:sp>
-        <p:nvSpPr>
-          <p:cNvPr id="139" name="TextShape 1"/>
-          <p:cNvSpPr txBox="1"/>
-          <p:nvPr/>
-        </p:nvSpPr>
-        <p:spPr>
-          <a:xfrm>
-            <a:off x="685800" y="533520"/>
-            <a:ext cx="7772040" cy="914040"/>
-          </a:xfrm>
-          <a:prstGeom prst="rect">
-            <a:avLst/>
-          </a:prstGeom>
-        </p:spPr>
-        <p:txBody>
-          <a:bodyPr lIns="91080" rIns="91080"/>
-          <a:p>
-            <a:pPr>
-              <a:lnSpc>
-                <a:spcPct val="100000"/>
-              </a:lnSpc>
-            </a:pPr>
-            <a:r>
-              <a:rPr lang="en-US" sz="3600">
-                <a:solidFill>
-                  <a:srgbClr val="000000"/>
-                </a:solidFill>
-                <a:latin typeface="Arial"/>
-                <a:ea typeface="ＭＳ Ｐゴシック"/>
-              </a:rPr>
-              <a:t>Exercises</a:t>
-            </a:r>
-            <a:endParaRPr/>
-          </a:p>
-        </p:txBody>
-      </p:sp>
-      <p:sp>
-        <p:nvSpPr>
-          <p:cNvPr id="140" name="TextShape 2"/>
-          <p:cNvSpPr txBox="1"/>
-          <p:nvPr/>
-        </p:nvSpPr>
-        <p:spPr>
-          <a:xfrm>
-            <a:off x="685800" y="1600200"/>
-            <a:ext cx="7772040" cy="4343040"/>
-          </a:xfrm>
-          <a:prstGeom prst="rect">
-            <a:avLst/>
-          </a:prstGeom>
-        </p:spPr>
-        <p:txBody>
-          <a:bodyPr lIns="91080" rIns="91080"/>
-          <a:p>
-            <a:pPr>
-              <a:lnSpc>
-                <a:spcPct val="100000"/>
-              </a:lnSpc>
-              <a:buFont typeface="Times"/>
-              <a:buChar char="•"/>
-            </a:pPr>
-            <a:r>
-              <a:rPr lang="en-US" sz="2200">
-                <a:solidFill>
-                  <a:srgbClr val="000000"/>
-                </a:solidFill>
-                <a:latin typeface="Arial"/>
-                <a:ea typeface="ＭＳ Ｐゴシック"/>
-              </a:rPr>
-              <a:t>Export all microarray platforms that are annotated for humans in Ensembl and their associated information.</a:t>
-            </a:r>
-            <a:endParaRPr/>
-          </a:p>
-          <a:p>
-            <a:pPr>
-              <a:lnSpc>
-                <a:spcPct val="100000"/>
-              </a:lnSpc>
-            </a:pPr>
-            <a:endParaRPr/>
-          </a:p>
-          <a:p>
-            <a:pPr>
-              <a:lnSpc>
-                <a:spcPct val="100000"/>
-              </a:lnSpc>
-              <a:buFont typeface="Times"/>
-              <a:buChar char="•"/>
-            </a:pPr>
-            <a:r>
-              <a:rPr lang="en-US" sz="2200">
-                <a:solidFill>
-                  <a:srgbClr val="000000"/>
-                </a:solidFill>
-                <a:latin typeface="Arial"/>
-                <a:ea typeface="ＭＳ Ｐゴシック"/>
-              </a:rPr>
-              <a:t>For a given species and microarray platform retrieve all probe to transcript mappings.</a:t>
-            </a:r>
-            <a:endParaRPr/>
-          </a:p>
-          <a:p>
-            <a:pPr>
-              <a:lnSpc>
-                <a:spcPct val="100000"/>
-              </a:lnSpc>
-            </a:pPr>
-            <a:endParaRPr/>
-          </a:p>
-          <a:p>
-            <a:pPr>
-              <a:lnSpc>
-                <a:spcPct val="100000"/>
-              </a:lnSpc>
-              <a:buFont typeface="Times"/>
-              <a:buChar char="•"/>
-            </a:pPr>
-            <a:r>
-              <a:rPr lang="en-US" sz="2200">
-                <a:solidFill>
-                  <a:srgbClr val="000000"/>
-                </a:solidFill>
-                <a:latin typeface="Arial"/>
-                <a:ea typeface="ＭＳ Ｐゴシック"/>
-              </a:rPr>
-              <a:t>For the above mappings add the probe to gene information.</a:t>
-            </a:r>
-            <a:endParaRPr/>
-          </a:p>
-          <a:p>
-            <a:pPr>
-              <a:lnSpc>
-                <a:spcPct val="100000"/>
-              </a:lnSpc>
-            </a:pPr>
-            <a:endParaRPr/>
-          </a:p>
-          <a:p>
-            <a:pPr>
-              <a:lnSpc>
-                <a:spcPct val="100000"/>
-              </a:lnSpc>
-              <a:buFont typeface="Times"/>
-              <a:buChar char="•"/>
-            </a:pPr>
-            <a:r>
-              <a:rPr lang="en-US" sz="2200">
-                <a:solidFill>
-                  <a:srgbClr val="000000"/>
-                </a:solidFill>
-                <a:latin typeface="Arial"/>
-                <a:ea typeface="ＭＳ Ｐゴシック"/>
-              </a:rPr>
-              <a:t>For a given probe find the coordinates of the genomic locus the probe has been aligned to.</a:t>
-            </a:r>
-            <a:endParaRPr/>
-          </a:p>
-        </p:txBody>
-      </p:sp>
-    </p:spTree>
-  </p:cSld>
-  <p:timing>
-    <p:tnLst>
-      <p:par>
-        <p:cTn id="7" dur="indefinite" restart="never" nodeType="tmRoot">
-          <p:childTnLst>
-            <p:seq>
-              <p:cTn id="8" nodeType="mainSeq"/>
               <p:prevCondLst>
                 <p:cond delay="0" evt="onPrev">
                   <p:tgtEl>
@@ -6299,227 +4187,4 @@
     </a:fmtScheme>
   </a:themeElements>
 </a:theme>
-</file>
-
-<file path=ppt/theme/theme3.xml><?xml version="1.0" encoding="utf-8"?>
-<a:theme xmlns:a="http://schemas.openxmlformats.org/drawingml/2006/main" name="Office Theme">
-  <a:themeElements>
-    <a:clrScheme name="Office">
-      <a:dk1>
-        <a:sysClr val="windowText" lastClr="000000"/>
-      </a:dk1>
-      <a:lt1>
-        <a:sysClr val="window" lastClr="FFFFFF"/>
-      </a:lt1>
-      <a:dk2>
-        <a:srgbClr val="1F497D"/>
-      </a:dk2>
-      <a:lt2>
-        <a:srgbClr val="EEECE1"/>
-      </a:lt2>
-      <a:accent1>
-        <a:srgbClr val="4F81BD"/>
-      </a:accent1>
-      <a:accent2>
-        <a:srgbClr val="C0504D"/>
-      </a:accent2>
-      <a:accent3>
-        <a:srgbClr val="9BBB59"/>
-      </a:accent3>
-      <a:accent4>
-        <a:srgbClr val="8064A2"/>
-      </a:accent4>
-      <a:accent5>
-        <a:srgbClr val="4BACC6"/>
-      </a:accent5>
-      <a:accent6>
-        <a:srgbClr val="F79646"/>
-      </a:accent6>
-      <a:hlink>
-        <a:srgbClr val="0000FF"/>
-      </a:hlink>
-      <a:folHlink>
-        <a:srgbClr val="800080"/>
-      </a:folHlink>
-    </a:clrScheme>
-    <a:fontScheme name="Office">
-      <a:majorFont>
-        <a:latin typeface="Arial"/>
-        <a:ea typeface="DejaVu Sans"/>
-        <a:cs typeface="DejaVu Sans"/>
-      </a:majorFont>
-      <a:minorFont>
-        <a:latin typeface="Arial"/>
-        <a:ea typeface="DejaVu Sans"/>
-        <a:cs typeface="DejaVu Sans"/>
-      </a:minorFont>
-    </a:fontScheme>
-    <a:fmtScheme name="Office">
-      <a:fillStyleLst>
-        <a:solidFill>
-          <a:schemeClr val="phClr"/>
-        </a:solidFill>
-        <a:gradFill rotWithShape="1">
-          <a:gsLst>
-            <a:gs pos="0">
-              <a:schemeClr val="phClr">
-                <a:tint val="50000"/>
-                <a:satMod val="300000"/>
-              </a:schemeClr>
-            </a:gs>
-            <a:gs pos="35000">
-              <a:schemeClr val="phClr">
-                <a:tint val="37000"/>
-                <a:satMod val="300000"/>
-              </a:schemeClr>
-            </a:gs>
-            <a:gs pos="100000">
-              <a:schemeClr val="phClr">
-                <a:tint val="15000"/>
-                <a:satMod val="350000"/>
-              </a:schemeClr>
-            </a:gs>
-          </a:gsLst>
-          <a:lin ang="16200000" scaled="1"/>
-        </a:gradFill>
-        <a:gradFill rotWithShape="1">
-          <a:gsLst>
-            <a:gs pos="0">
-              <a:schemeClr val="phClr">
-                <a:shade val="51000"/>
-                <a:satMod val="130000"/>
-              </a:schemeClr>
-            </a:gs>
-            <a:gs pos="80000">
-              <a:schemeClr val="phClr">
-                <a:shade val="93000"/>
-                <a:satMod val="130000"/>
-              </a:schemeClr>
-            </a:gs>
-            <a:gs pos="100000">
-              <a:schemeClr val="phClr">
-                <a:shade val="94000"/>
-                <a:satMod val="135000"/>
-              </a:schemeClr>
-            </a:gs>
-          </a:gsLst>
-          <a:lin ang="16200000" scaled="0"/>
-        </a:gradFill>
-      </a:fillStyleLst>
-      <a:lnStyleLst>
-        <a:ln w="9525" cap="flat" cmpd="sng" algn="ctr">
-          <a:solidFill>
-            <a:schemeClr val="phClr">
-              <a:shade val="95000"/>
-              <a:satMod val="105000"/>
-            </a:schemeClr>
-          </a:solidFill>
-          <a:prstDash val="solid"/>
-        </a:ln>
-        <a:ln w="25400" cap="flat" cmpd="sng" algn="ctr">
-          <a:solidFill>
-            <a:schemeClr val="phClr"/>
-          </a:solidFill>
-          <a:prstDash val="solid"/>
-        </a:ln>
-        <a:ln w="38100" cap="flat" cmpd="sng" algn="ctr">
-          <a:solidFill>
-            <a:schemeClr val="phClr"/>
-          </a:solidFill>
-          <a:prstDash val="solid"/>
-        </a:ln>
-      </a:lnStyleLst>
-      <a:effectStyleLst>
-        <a:effectStyle>
-          <a:effectLst>
-            <a:outerShdw blurRad="40000" dist="20000" dir="5400000" rotWithShape="0">
-              <a:srgbClr val="000000">
-                <a:alpha val="38000"/>
-              </a:srgbClr>
-            </a:outerShdw>
-          </a:effectLst>
-        </a:effectStyle>
-        <a:effectStyle>
-          <a:effectLst>
-            <a:outerShdw blurRad="40000" dist="23000" dir="5400000" rotWithShape="0">
-              <a:srgbClr val="000000">
-                <a:alpha val="35000"/>
-              </a:srgbClr>
-            </a:outerShdw>
-          </a:effectLst>
-        </a:effectStyle>
-        <a:effectStyle>
-          <a:effectLst>
-            <a:outerShdw blurRad="40000" dist="23000" dir="5400000" rotWithShape="0">
-              <a:srgbClr val="000000">
-                <a:alpha val="35000"/>
-              </a:srgbClr>
-            </a:outerShdw>
-          </a:effectLst>
-          <a:scene3d>
-            <a:camera prst="orthographicFront">
-              <a:rot lat="0" lon="0" rev="0"/>
-            </a:camera>
-            <a:lightRig rig="threePt" dir="t">
-              <a:rot lat="0" lon="0" rev="1200000"/>
-            </a:lightRig>
-          </a:scene3d>
-          <a:sp3d>
-            <a:bevelT w="63500" h="25400"/>
-          </a:sp3d>
-        </a:effectStyle>
-      </a:effectStyleLst>
-      <a:bgFillStyleLst>
-        <a:solidFill>
-          <a:schemeClr val="phClr"/>
-        </a:solidFill>
-        <a:gradFill rotWithShape="1">
-          <a:gsLst>
-            <a:gs pos="0">
-              <a:schemeClr val="phClr">
-                <a:tint val="40000"/>
-                <a:satMod val="350000"/>
-              </a:schemeClr>
-            </a:gs>
-            <a:gs pos="40000">
-              <a:schemeClr val="phClr">
-                <a:tint val="45000"/>
-                <a:shade val="99000"/>
-                <a:satMod val="350000"/>
-              </a:schemeClr>
-            </a:gs>
-            <a:gs pos="100000">
-              <a:schemeClr val="phClr">
-                <a:shade val="20000"/>
-                <a:satMod val="255000"/>
-              </a:schemeClr>
-            </a:gs>
-          </a:gsLst>
-          <a:path path="circle">
-            <a:fillToRect l="50000" t="-80000" r="50000" b="180000"/>
-          </a:path>
-        </a:gradFill>
-        <a:gradFill rotWithShape="1">
-          <a:gsLst>
-            <a:gs pos="0">
-              <a:schemeClr val="phClr">
-                <a:tint val="80000"/>
-                <a:satMod val="300000"/>
-              </a:schemeClr>
-            </a:gs>
-            <a:gs pos="100000">
-              <a:schemeClr val="phClr">
-                <a:shade val="30000"/>
-                <a:satMod val="200000"/>
-              </a:schemeClr>
-            </a:gs>
-          </a:gsLst>
-          <a:path path="circle">
-            <a:fillToRect l="50000" t="50000" r="50000" b="50000"/>
-          </a:path>
-        </a:gradFill>
-      </a:bgFillStyleLst>
-    </a:fmtScheme>
-  </a:themeElements>
-</a:theme>
 </file>